--- a/java/docs/02-java-类.pptx
+++ b/java/docs/02-java-类.pptx
@@ -6,11 +6,25 @@
     <p:sldMasterId id="2147483660" r:id="rId2"/>
   </p:sldMasterIdLst>
   <p:notesMasterIdLst>
-    <p:notesMasterId r:id="rId5"/>
+    <p:notesMasterId r:id="rId19"/>
   </p:notesMasterIdLst>
   <p:sldIdLst>
     <p:sldId id="256" r:id="rId3"/>
-    <p:sldId id="261" r:id="rId4"/>
+    <p:sldId id="263" r:id="rId4"/>
+    <p:sldId id="262" r:id="rId5"/>
+    <p:sldId id="265" r:id="rId6"/>
+    <p:sldId id="274" r:id="rId7"/>
+    <p:sldId id="264" r:id="rId8"/>
+    <p:sldId id="267" r:id="rId9"/>
+    <p:sldId id="266" r:id="rId10"/>
+    <p:sldId id="272" r:id="rId11"/>
+    <p:sldId id="275" r:id="rId12"/>
+    <p:sldId id="273" r:id="rId13"/>
+    <p:sldId id="268" r:id="rId14"/>
+    <p:sldId id="269" r:id="rId15"/>
+    <p:sldId id="270" r:id="rId16"/>
+    <p:sldId id="271" r:id="rId17"/>
+    <p:sldId id="261" r:id="rId18"/>
   </p:sldIdLst>
   <p:sldSz cx="9144000" cy="6858000" type="screen4x3"/>
   <p:notesSz cx="6858000" cy="9144000"/>
@@ -194,7 +208,7 @@
           <a:p>
             <a:fld id="{D6CB015B-B7FF-4093-8E19-9AD7339689D2}" type="datetimeFigureOut">
               <a:rPr lang="zh-CN" altLang="en-US" smtClean="0"/>
-              <a:t>2017/12/1</a:t>
+              <a:t>2017/12/3</a:t>
             </a:fld>
             <a:endParaRPr lang="zh-CN" altLang="en-US"/>
           </a:p>
@@ -549,7 +563,7 @@
             <a:fld id="{96901A81-0F01-4EEE-B1B8-8AAFCC661EC4}" type="slidenum">
               <a:rPr lang="zh-CN" altLang="en-US" smtClean="0"/>
               <a:pPr/>
-              <a:t>2</a:t>
+              <a:t>16</a:t>
             </a:fld>
             <a:endParaRPr lang="zh-CN" altLang="en-US"/>
           </a:p>
@@ -2164,7 +2178,7 @@
             <a:fld id="{B35E7478-ADE7-4480-A214-01473DFE0029}" type="datetimeFigureOut">
               <a:rPr lang="zh-CN" altLang="en-US" smtClean="0"/>
               <a:pPr/>
-              <a:t>2017/12/1</a:t>
+              <a:t>2017/12/3</a:t>
             </a:fld>
             <a:endParaRPr lang="zh-CN" altLang="en-US"/>
           </a:p>
@@ -6029,7 +6043,7 @@
             <a:fld id="{B35E7478-ADE7-4480-A214-01473DFE0029}" type="datetimeFigureOut">
               <a:rPr lang="zh-CN" altLang="en-US" smtClean="0"/>
               <a:pPr/>
-              <a:t>2017/12/1</a:t>
+              <a:t>2017/12/3</a:t>
             </a:fld>
             <a:endParaRPr lang="zh-CN" altLang="en-US"/>
           </a:p>
@@ -7697,7 +7711,7 @@
             <a:fld id="{B35E7478-ADE7-4480-A214-01473DFE0029}" type="datetimeFigureOut">
               <a:rPr lang="zh-CN" altLang="en-US" smtClean="0"/>
               <a:pPr/>
-              <a:t>2017/12/1</a:t>
+              <a:t>2017/12/3</a:t>
             </a:fld>
             <a:endParaRPr lang="zh-CN" altLang="en-US"/>
           </a:p>
@@ -12001,7 +12015,7 @@
                 </a:solidFill>
               </a:rPr>
               <a:pPr/>
-              <a:t>2017/12/1</a:t>
+              <a:t>2017/12/3</a:t>
             </a:fld>
             <a:endParaRPr lang="zh-CN" altLang="en-US">
               <a:solidFill>
@@ -15919,7 +15933,7 @@
                 </a:solidFill>
               </a:rPr>
               <a:pPr/>
-              <a:t>2017/12/1</a:t>
+              <a:t>2017/12/3</a:t>
             </a:fld>
             <a:endParaRPr lang="zh-CN" altLang="en-US">
               <a:solidFill>
@@ -21770,7 +21784,7 @@
                 </a:solidFill>
               </a:rPr>
               <a:pPr/>
-              <a:t>2017/12/1</a:t>
+              <a:t>2017/12/3</a:t>
             </a:fld>
             <a:endParaRPr lang="zh-CN" altLang="en-US">
               <a:solidFill>
@@ -22360,7 +22374,7 @@
                 </a:solidFill>
               </a:rPr>
               <a:pPr/>
-              <a:t>2017/12/1</a:t>
+              <a:t>2017/12/3</a:t>
             </a:fld>
             <a:endParaRPr lang="zh-CN" altLang="en-US">
               <a:solidFill>
@@ -26064,7 +26078,7 @@
                 </a:solidFill>
               </a:rPr>
               <a:pPr/>
-              <a:t>2017/12/1</a:t>
+              <a:t>2017/12/3</a:t>
             </a:fld>
             <a:endParaRPr lang="zh-CN" altLang="en-US">
               <a:solidFill>
@@ -26198,7 +26212,7 @@
                 </a:solidFill>
               </a:rPr>
               <a:pPr/>
-              <a:t>2017/12/1</a:t>
+              <a:t>2017/12/3</a:t>
             </a:fld>
             <a:endParaRPr lang="zh-CN" altLang="en-US">
               <a:solidFill>
@@ -27027,7 +27041,7 @@
             <a:fld id="{B35E7478-ADE7-4480-A214-01473DFE0029}" type="datetimeFigureOut">
               <a:rPr lang="zh-CN" altLang="en-US" smtClean="0"/>
               <a:pPr/>
-              <a:t>2017/12/1</a:t>
+              <a:t>2017/12/3</a:t>
             </a:fld>
             <a:endParaRPr lang="zh-CN" altLang="en-US"/>
           </a:p>
@@ -32355,7 +32369,7 @@
             <a:fld id="{B35E7478-ADE7-4480-A214-01473DFE0029}" type="datetimeFigureOut">
               <a:rPr lang="zh-CN" altLang="en-US" smtClean="0"/>
               <a:pPr/>
-              <a:t>2017/12/1</a:t>
+              <a:t>2017/12/3</a:t>
             </a:fld>
             <a:endParaRPr lang="zh-CN" altLang="en-US"/>
           </a:p>
@@ -37709,7 +37723,7 @@
             <a:fld id="{B35E7478-ADE7-4480-A214-01473DFE0029}" type="datetimeFigureOut">
               <a:rPr lang="zh-CN" altLang="en-US" smtClean="0"/>
               <a:pPr/>
-              <a:t>2017/12/1</a:t>
+              <a:t>2017/12/3</a:t>
             </a:fld>
             <a:endParaRPr lang="zh-CN" altLang="en-US"/>
           </a:p>
@@ -37806,7 +37820,7 @@
             <a:fld id="{B35E7478-ADE7-4480-A214-01473DFE0029}" type="datetimeFigureOut">
               <a:rPr lang="zh-CN" altLang="en-US" smtClean="0"/>
               <a:pPr/>
-              <a:t>2017/12/1</a:t>
+              <a:t>2017/12/3</a:t>
             </a:fld>
             <a:endParaRPr lang="zh-CN" altLang="en-US"/>
           </a:p>
@@ -38092,7 +38106,7 @@
             <a:fld id="{B35E7478-ADE7-4480-A214-01473DFE0029}" type="datetimeFigureOut">
               <a:rPr lang="zh-CN" altLang="en-US" smtClean="0"/>
               <a:pPr/>
-              <a:t>2017/12/1</a:t>
+              <a:t>2017/12/3</a:t>
             </a:fld>
             <a:endParaRPr lang="zh-CN" altLang="en-US"/>
           </a:p>
@@ -38347,7 +38361,7 @@
             <a:fld id="{B35E7478-ADE7-4480-A214-01473DFE0029}" type="datetimeFigureOut">
               <a:rPr lang="zh-CN" altLang="en-US" smtClean="0"/>
               <a:pPr/>
-              <a:t>2017/12/1</a:t>
+              <a:t>2017/12/3</a:t>
             </a:fld>
             <a:endParaRPr lang="zh-CN" altLang="en-US"/>
           </a:p>
@@ -38519,7 +38533,7 @@
             <a:fld id="{B35E7478-ADE7-4480-A214-01473DFE0029}" type="datetimeFigureOut">
               <a:rPr lang="zh-CN" altLang="en-US" smtClean="0"/>
               <a:pPr/>
-              <a:t>2017/12/1</a:t>
+              <a:t>2017/12/3</a:t>
             </a:fld>
             <a:endParaRPr lang="zh-CN" altLang="en-US"/>
           </a:p>
@@ -38746,7 +38760,7 @@
             <a:fld id="{B35E7478-ADE7-4480-A214-01473DFE0029}" type="datetimeFigureOut">
               <a:rPr lang="zh-CN" altLang="en-US" smtClean="0"/>
               <a:pPr/>
-              <a:t>2017/12/1</a:t>
+              <a:t>2017/12/3</a:t>
             </a:fld>
             <a:endParaRPr lang="zh-CN" altLang="en-US"/>
           </a:p>
@@ -39282,7 +39296,7 @@
                 </a:solidFill>
               </a:rPr>
               <a:pPr/>
-              <a:t>2017/12/1</a:t>
+              <a:t>2017/12/3</a:t>
             </a:fld>
             <a:endParaRPr lang="zh-CN" altLang="en-US">
               <a:solidFill>
@@ -39754,7 +39768,1162 @@
 </p:sld>
 </file>
 
-<file path=ppt/slides/slide2.xml><?xml version="1.0" encoding="utf-8"?>
+<file path=ppt/slides/slide10.xml><?xml version="1.0" encoding="utf-8"?>
+<p:sld xmlns:a="http://schemas.openxmlformats.org/drawingml/2006/main" xmlns:r="http://schemas.openxmlformats.org/officeDocument/2006/relationships" xmlns:p="http://schemas.openxmlformats.org/presentationml/2006/main">
+  <p:cSld>
+    <p:spTree>
+      <p:nvGrpSpPr>
+        <p:cNvPr id="1" name=""/>
+        <p:cNvGrpSpPr/>
+        <p:nvPr/>
+      </p:nvGrpSpPr>
+      <p:grpSpPr>
+        <a:xfrm>
+          <a:off x="0" y="0"/>
+          <a:ext cx="0" cy="0"/>
+          <a:chOff x="0" y="0"/>
+          <a:chExt cx="0" cy="0"/>
+        </a:xfrm>
+      </p:grpSpPr>
+      <p:sp>
+        <p:nvSpPr>
+          <p:cNvPr id="2" name="标题 1"/>
+          <p:cNvSpPr>
+            <a:spLocks noGrp="1"/>
+          </p:cNvSpPr>
+          <p:nvPr>
+            <p:ph type="title"/>
+          </p:nvPr>
+        </p:nvSpPr>
+        <p:spPr/>
+        <p:txBody>
+          <a:bodyPr>
+            <a:normAutofit fontScale="90000"/>
+          </a:bodyPr>
+          <a:lstStyle/>
+          <a:p>
+            <a:r>
+              <a:rPr lang="en-US" altLang="zh-CN" dirty="0"/>
+              <a:t>finalize</a:t>
+            </a:r>
+            <a:r>
+              <a:rPr lang="zh-CN" altLang="en-US" dirty="0"/>
+              <a:t>方法 </a:t>
+            </a:r>
+          </a:p>
+        </p:txBody>
+      </p:sp>
+      <p:sp>
+        <p:nvSpPr>
+          <p:cNvPr id="3" name="内容占位符 2"/>
+          <p:cNvSpPr>
+            <a:spLocks noGrp="1"/>
+          </p:cNvSpPr>
+          <p:nvPr>
+            <p:ph idx="1"/>
+          </p:nvPr>
+        </p:nvSpPr>
+        <p:spPr/>
+        <p:txBody>
+          <a:bodyPr/>
+          <a:lstStyle/>
+          <a:p>
+            <a:r>
+              <a:rPr lang="en-US" altLang="zh-CN" dirty="0" smtClean="0"/>
+              <a:t>GC</a:t>
+            </a:r>
+            <a:r>
+              <a:rPr lang="zh-CN" altLang="en-US" dirty="0" smtClean="0"/>
+              <a:t>在对象要被垃圾回收时，</a:t>
+            </a:r>
+            <a:r>
+              <a:rPr lang="en-US" altLang="zh-CN" dirty="0" smtClean="0"/>
+              <a:t>finalize()</a:t>
+            </a:r>
+            <a:r>
+              <a:rPr lang="zh-CN" altLang="en-US" dirty="0" smtClean="0"/>
+              <a:t>方法被调用</a:t>
+            </a:r>
+            <a:endParaRPr lang="en-US" altLang="zh-CN" dirty="0" smtClean="0"/>
+          </a:p>
+          <a:p>
+            <a:r>
+              <a:rPr lang="zh-CN" altLang="en-US" dirty="0"/>
+              <a:t>强制垃圾</a:t>
+            </a:r>
+            <a:r>
+              <a:rPr lang="zh-CN" altLang="en-US" dirty="0" smtClean="0"/>
+              <a:t>回收</a:t>
+            </a:r>
+            <a:endParaRPr lang="en-US" altLang="zh-CN" dirty="0" smtClean="0"/>
+          </a:p>
+          <a:p>
+            <a:pPr lvl="1"/>
+            <a:r>
+              <a:rPr lang="en-US" altLang="zh-CN" dirty="0" err="1"/>
+              <a:t>System.gc</a:t>
+            </a:r>
+            <a:r>
+              <a:rPr lang="en-US" altLang="zh-CN" dirty="0"/>
+              <a:t>()</a:t>
+            </a:r>
+          </a:p>
+          <a:p>
+            <a:pPr lvl="1"/>
+            <a:r>
+              <a:rPr lang="en-US" altLang="zh-CN" dirty="0" err="1"/>
+              <a:t>Runtime.getRuntime</a:t>
+            </a:r>
+            <a:r>
+              <a:rPr lang="en-US" altLang="zh-CN" dirty="0"/>
+              <a:t>().</a:t>
+            </a:r>
+            <a:r>
+              <a:rPr lang="en-US" altLang="zh-CN" dirty="0" err="1"/>
+              <a:t>gc</a:t>
+            </a:r>
+            <a:r>
+              <a:rPr lang="en-US" altLang="zh-CN" dirty="0"/>
+              <a:t>()</a:t>
+            </a:r>
+          </a:p>
+          <a:p>
+            <a:pPr lvl="1"/>
+            <a:endParaRPr lang="zh-CN" altLang="en-US" dirty="0"/>
+          </a:p>
+        </p:txBody>
+      </p:sp>
+    </p:spTree>
+    <p:extLst>
+      <p:ext uri="{BB962C8B-B14F-4D97-AF65-F5344CB8AC3E}">
+        <p14:creationId xmlns:p14="http://schemas.microsoft.com/office/powerpoint/2010/main" val="971862213"/>
+      </p:ext>
+    </p:extLst>
+  </p:cSld>
+  <p:clrMapOvr>
+    <a:masterClrMapping/>
+  </p:clrMapOvr>
+</p:sld>
+</file>
+
+<file path=ppt/slides/slide11.xml><?xml version="1.0" encoding="utf-8"?>
+<p:sld xmlns:a="http://schemas.openxmlformats.org/drawingml/2006/main" xmlns:r="http://schemas.openxmlformats.org/officeDocument/2006/relationships" xmlns:p="http://schemas.openxmlformats.org/presentationml/2006/main">
+  <p:cSld>
+    <p:spTree>
+      <p:nvGrpSpPr>
+        <p:cNvPr id="1" name=""/>
+        <p:cNvGrpSpPr/>
+        <p:nvPr/>
+      </p:nvGrpSpPr>
+      <p:grpSpPr>
+        <a:xfrm>
+          <a:off x="0" y="0"/>
+          <a:ext cx="0" cy="0"/>
+          <a:chOff x="0" y="0"/>
+          <a:chExt cx="0" cy="0"/>
+        </a:xfrm>
+      </p:grpSpPr>
+      <p:sp>
+        <p:nvSpPr>
+          <p:cNvPr id="2" name="标题 1"/>
+          <p:cNvSpPr>
+            <a:spLocks noGrp="1"/>
+          </p:cNvSpPr>
+          <p:nvPr>
+            <p:ph type="title"/>
+          </p:nvPr>
+        </p:nvSpPr>
+        <p:spPr/>
+        <p:txBody>
+          <a:bodyPr>
+            <a:normAutofit fontScale="90000"/>
+          </a:bodyPr>
+          <a:lstStyle/>
+          <a:p>
+            <a:r>
+              <a:rPr lang="zh-CN" altLang="en-US" dirty="0" smtClean="0"/>
+              <a:t>常见异常</a:t>
+            </a:r>
+            <a:endParaRPr lang="zh-CN" altLang="en-US" dirty="0"/>
+          </a:p>
+        </p:txBody>
+      </p:sp>
+      <p:sp>
+        <p:nvSpPr>
+          <p:cNvPr id="3" name="内容占位符 2"/>
+          <p:cNvSpPr>
+            <a:spLocks noGrp="1"/>
+          </p:cNvSpPr>
+          <p:nvPr>
+            <p:ph idx="1"/>
+          </p:nvPr>
+        </p:nvSpPr>
+        <p:spPr/>
+        <p:txBody>
+          <a:bodyPr>
+            <a:normAutofit fontScale="85000" lnSpcReduction="20000"/>
+          </a:bodyPr>
+          <a:lstStyle/>
+          <a:p>
+            <a:r>
+              <a:rPr lang="en-US" altLang="zh-CN" dirty="0" err="1">
+                <a:solidFill>
+                  <a:srgbClr val="FF0000"/>
+                </a:solidFill>
+              </a:rPr>
+              <a:t>NullPointerException</a:t>
+            </a:r>
+            <a:endParaRPr lang="en-US" altLang="zh-CN" dirty="0" smtClean="0">
+              <a:solidFill>
+                <a:srgbClr val="FF0000"/>
+              </a:solidFill>
+            </a:endParaRPr>
+          </a:p>
+          <a:p>
+            <a:pPr lvl="1"/>
+            <a:r>
+              <a:rPr lang="en-US" altLang="zh-CN" dirty="0" smtClean="0"/>
+              <a:t>p = null  ; </a:t>
+            </a:r>
+            <a:r>
+              <a:rPr lang="en-US" altLang="zh-CN" dirty="0" err="1" smtClean="0"/>
+              <a:t>p.say</a:t>
+            </a:r>
+            <a:r>
+              <a:rPr lang="en-US" altLang="zh-CN" dirty="0" smtClean="0"/>
+              <a:t>(“John”, 30) ;</a:t>
+            </a:r>
+          </a:p>
+          <a:p>
+            <a:r>
+              <a:rPr lang="en-US" altLang="zh-CN" dirty="0" err="1" smtClean="0">
+                <a:solidFill>
+                  <a:srgbClr val="FF0000"/>
+                </a:solidFill>
+              </a:rPr>
+              <a:t>StackOverflowException</a:t>
+            </a:r>
+            <a:endParaRPr lang="en-US" altLang="zh-CN" dirty="0" smtClean="0">
+              <a:solidFill>
+                <a:srgbClr val="FF0000"/>
+              </a:solidFill>
+            </a:endParaRPr>
+          </a:p>
+          <a:p>
+            <a:pPr lvl="1"/>
+            <a:r>
+              <a:rPr lang="zh-CN" altLang="en-US" dirty="0" smtClean="0"/>
+              <a:t>栈不够用了</a:t>
+            </a:r>
+            <a:endParaRPr lang="en-US" altLang="zh-CN" dirty="0" smtClean="0"/>
+          </a:p>
+          <a:p>
+            <a:pPr lvl="1"/>
+            <a:r>
+              <a:rPr lang="en-US" altLang="zh-CN" dirty="0" smtClean="0"/>
+              <a:t>java –X:ss2m   --- </a:t>
+            </a:r>
+            <a:r>
+              <a:rPr lang="zh-CN" altLang="en-US" dirty="0" smtClean="0"/>
+              <a:t>指定线程的栈大小</a:t>
+            </a:r>
+            <a:endParaRPr lang="en-US" altLang="zh-CN" dirty="0" smtClean="0"/>
+          </a:p>
+          <a:p>
+            <a:r>
+              <a:rPr lang="en-US" altLang="zh-CN" dirty="0" err="1" smtClean="0">
+                <a:solidFill>
+                  <a:srgbClr val="FF0000"/>
+                </a:solidFill>
+              </a:rPr>
+              <a:t>OutOfMemoryException</a:t>
+            </a:r>
+            <a:endParaRPr lang="en-US" altLang="zh-CN" dirty="0" smtClean="0">
+              <a:solidFill>
+                <a:srgbClr val="FF0000"/>
+              </a:solidFill>
+            </a:endParaRPr>
+          </a:p>
+          <a:p>
+            <a:pPr lvl="1"/>
+            <a:r>
+              <a:rPr lang="zh-CN" altLang="en-US" dirty="0" smtClean="0"/>
+              <a:t>堆</a:t>
+            </a:r>
+            <a:r>
+              <a:rPr lang="en-US" altLang="zh-CN" dirty="0" smtClean="0"/>
+              <a:t>(Heap)</a:t>
+            </a:r>
+            <a:r>
+              <a:rPr lang="zh-CN" altLang="en-US" dirty="0" smtClean="0"/>
+              <a:t>不够用了</a:t>
+            </a:r>
+            <a:endParaRPr lang="en-US" altLang="zh-CN" dirty="0" smtClean="0"/>
+          </a:p>
+          <a:p>
+            <a:pPr lvl="1"/>
+            <a:r>
+              <a:rPr lang="en-US" altLang="zh-CN" dirty="0" smtClean="0"/>
+              <a:t>java –Xms1024m –Xmx2048m</a:t>
+            </a:r>
+          </a:p>
+          <a:p>
+            <a:r>
+              <a:rPr lang="zh-CN" altLang="en-US" dirty="0" smtClean="0">
+                <a:solidFill>
+                  <a:srgbClr val="FF0000"/>
+                </a:solidFill>
+              </a:rPr>
+              <a:t>文档</a:t>
+            </a:r>
+            <a:r>
+              <a:rPr lang="zh-CN" altLang="en-US" dirty="0" smtClean="0"/>
+              <a:t>：</a:t>
+            </a:r>
+            <a:endParaRPr lang="en-US" altLang="zh-CN" dirty="0" smtClean="0"/>
+          </a:p>
+          <a:p>
+            <a:r>
+              <a:rPr lang="en-US" altLang="zh-CN" dirty="0" smtClean="0"/>
+              <a:t>https</a:t>
+            </a:r>
+            <a:r>
+              <a:rPr lang="en-US" altLang="zh-CN" dirty="0"/>
+              <a:t>://docs.oracle.com/javase/8/docs/technotes/tools/windows/java.html</a:t>
+            </a:r>
+            <a:endParaRPr lang="en-US" altLang="zh-CN" dirty="0" smtClean="0"/>
+          </a:p>
+          <a:p>
+            <a:endParaRPr lang="zh-CN" altLang="en-US" dirty="0"/>
+          </a:p>
+        </p:txBody>
+      </p:sp>
+    </p:spTree>
+    <p:extLst>
+      <p:ext uri="{BB962C8B-B14F-4D97-AF65-F5344CB8AC3E}">
+        <p14:creationId xmlns:p14="http://schemas.microsoft.com/office/powerpoint/2010/main" val="492964598"/>
+      </p:ext>
+    </p:extLst>
+  </p:cSld>
+  <p:clrMapOvr>
+    <a:masterClrMapping/>
+  </p:clrMapOvr>
+</p:sld>
+</file>
+
+<file path=ppt/slides/slide12.xml><?xml version="1.0" encoding="utf-8"?>
+<p:sld xmlns:a="http://schemas.openxmlformats.org/drawingml/2006/main" xmlns:r="http://schemas.openxmlformats.org/officeDocument/2006/relationships" xmlns:p="http://schemas.openxmlformats.org/presentationml/2006/main">
+  <p:cSld>
+    <p:spTree>
+      <p:nvGrpSpPr>
+        <p:cNvPr id="1" name=""/>
+        <p:cNvGrpSpPr/>
+        <p:nvPr/>
+      </p:nvGrpSpPr>
+      <p:grpSpPr>
+        <a:xfrm>
+          <a:off x="0" y="0"/>
+          <a:ext cx="0" cy="0"/>
+          <a:chOff x="0" y="0"/>
+          <a:chExt cx="0" cy="0"/>
+        </a:xfrm>
+      </p:grpSpPr>
+      <p:sp>
+        <p:nvSpPr>
+          <p:cNvPr id="2" name="标题 1"/>
+          <p:cNvSpPr>
+            <a:spLocks noGrp="1"/>
+          </p:cNvSpPr>
+          <p:nvPr>
+            <p:ph type="title"/>
+          </p:nvPr>
+        </p:nvSpPr>
+        <p:spPr/>
+        <p:txBody>
+          <a:bodyPr>
+            <a:normAutofit fontScale="90000"/>
+          </a:bodyPr>
+          <a:lstStyle/>
+          <a:p>
+            <a:r>
+              <a:rPr lang="zh-CN" altLang="en-US" dirty="0"/>
+              <a:t>成员变量的初始化</a:t>
+            </a:r>
+          </a:p>
+        </p:txBody>
+      </p:sp>
+      <p:sp>
+        <p:nvSpPr>
+          <p:cNvPr id="3" name="内容占位符 2"/>
+          <p:cNvSpPr>
+            <a:spLocks noGrp="1"/>
+          </p:cNvSpPr>
+          <p:nvPr>
+            <p:ph idx="1"/>
+          </p:nvPr>
+        </p:nvSpPr>
+        <p:spPr/>
+        <p:txBody>
+          <a:bodyPr/>
+          <a:lstStyle/>
+          <a:p>
+            <a:r>
+              <a:rPr lang="zh-CN" altLang="en-US" dirty="0" smtClean="0"/>
+              <a:t>在声明成员变量时，可以指定初值：</a:t>
+            </a:r>
+            <a:endParaRPr lang="en-US" altLang="zh-CN" dirty="0" smtClean="0"/>
+          </a:p>
+          <a:p>
+            <a:pPr marL="0" indent="0">
+              <a:buNone/>
+            </a:pPr>
+            <a:r>
+              <a:rPr lang="en-US" altLang="zh-CN" dirty="0" smtClean="0"/>
+              <a:t>      private String name = </a:t>
+            </a:r>
+            <a:r>
+              <a:rPr lang="zh-CN" altLang="en-US" dirty="0" smtClean="0"/>
+              <a:t>“</a:t>
+            </a:r>
+            <a:r>
+              <a:rPr lang="en-US" altLang="zh-CN" dirty="0" smtClean="0"/>
+              <a:t>Unknown” ;</a:t>
+            </a:r>
+          </a:p>
+          <a:p>
+            <a:r>
+              <a:rPr lang="zh-CN" altLang="en-US" dirty="0" smtClean="0"/>
+              <a:t>如果没有指定初值，且在构造函数中没有赋值，则初值为</a:t>
+            </a:r>
+            <a:r>
+              <a:rPr lang="en-US" altLang="zh-CN" dirty="0" smtClean="0">
+                <a:solidFill>
+                  <a:srgbClr val="FF0000"/>
+                </a:solidFill>
+              </a:rPr>
+              <a:t>”</a:t>
+            </a:r>
+            <a:r>
+              <a:rPr lang="zh-CN" altLang="en-US" dirty="0" smtClean="0">
+                <a:solidFill>
+                  <a:srgbClr val="FF0000"/>
+                </a:solidFill>
+              </a:rPr>
+              <a:t>空“</a:t>
+            </a:r>
+            <a:r>
+              <a:rPr lang="zh-CN" altLang="en-US" dirty="0" smtClean="0"/>
+              <a:t>。</a:t>
+            </a:r>
+            <a:endParaRPr lang="zh-CN" altLang="en-US" dirty="0"/>
+          </a:p>
+        </p:txBody>
+      </p:sp>
+    </p:spTree>
+    <p:extLst>
+      <p:ext uri="{BB962C8B-B14F-4D97-AF65-F5344CB8AC3E}">
+        <p14:creationId xmlns:p14="http://schemas.microsoft.com/office/powerpoint/2010/main" val="3504778846"/>
+      </p:ext>
+    </p:extLst>
+  </p:cSld>
+  <p:clrMapOvr>
+    <a:masterClrMapping/>
+  </p:clrMapOvr>
+</p:sld>
+</file>
+
+<file path=ppt/slides/slide13.xml><?xml version="1.0" encoding="utf-8"?>
+<p:sld xmlns:a="http://schemas.openxmlformats.org/drawingml/2006/main" xmlns:r="http://schemas.openxmlformats.org/officeDocument/2006/relationships" xmlns:p="http://schemas.openxmlformats.org/presentationml/2006/main">
+  <p:cSld>
+    <p:spTree>
+      <p:nvGrpSpPr>
+        <p:cNvPr id="1" name=""/>
+        <p:cNvGrpSpPr/>
+        <p:nvPr/>
+      </p:nvGrpSpPr>
+      <p:grpSpPr>
+        <a:xfrm>
+          <a:off x="0" y="0"/>
+          <a:ext cx="0" cy="0"/>
+          <a:chOff x="0" y="0"/>
+          <a:chExt cx="0" cy="0"/>
+        </a:xfrm>
+      </p:grpSpPr>
+      <p:sp>
+        <p:nvSpPr>
+          <p:cNvPr id="2" name="标题 1"/>
+          <p:cNvSpPr>
+            <a:spLocks noGrp="1"/>
+          </p:cNvSpPr>
+          <p:nvPr>
+            <p:ph type="title"/>
+          </p:nvPr>
+        </p:nvSpPr>
+        <p:spPr/>
+        <p:txBody>
+          <a:bodyPr>
+            <a:normAutofit fontScale="90000"/>
+          </a:bodyPr>
+          <a:lstStyle/>
+          <a:p>
+            <a:r>
+              <a:rPr lang="zh-CN" altLang="en-US" dirty="0" smtClean="0"/>
+              <a:t>包 </a:t>
+            </a:r>
+            <a:r>
+              <a:rPr lang="en-US" altLang="zh-CN" dirty="0" smtClean="0"/>
+              <a:t>– package</a:t>
+            </a:r>
+            <a:endParaRPr lang="zh-CN" altLang="en-US" dirty="0"/>
+          </a:p>
+        </p:txBody>
+      </p:sp>
+      <p:sp>
+        <p:nvSpPr>
+          <p:cNvPr id="3" name="内容占位符 2"/>
+          <p:cNvSpPr>
+            <a:spLocks noGrp="1"/>
+          </p:cNvSpPr>
+          <p:nvPr>
+            <p:ph idx="1"/>
+          </p:nvPr>
+        </p:nvSpPr>
+        <p:spPr/>
+        <p:txBody>
+          <a:bodyPr>
+            <a:normAutofit fontScale="92500" lnSpcReduction="10000"/>
+          </a:bodyPr>
+          <a:lstStyle/>
+          <a:p>
+            <a:r>
+              <a:rPr lang="zh-CN" altLang="en-US" dirty="0" smtClean="0"/>
+              <a:t>在一个工程中，将类划分成不同的模块。每个类存放到不同的模块中。</a:t>
+            </a:r>
+            <a:endParaRPr lang="en-US" altLang="zh-CN" dirty="0" smtClean="0"/>
+          </a:p>
+          <a:p>
+            <a:r>
+              <a:rPr lang="zh-CN" altLang="en-US" dirty="0" smtClean="0"/>
+              <a:t>模块以域名加其它目录构成</a:t>
+            </a:r>
+            <a:endParaRPr lang="en-US" altLang="zh-CN" dirty="0" smtClean="0"/>
+          </a:p>
+          <a:p>
+            <a:pPr marL="0" indent="0">
+              <a:buNone/>
+            </a:pPr>
+            <a:r>
+              <a:rPr lang="en-US" altLang="zh-CN" dirty="0" smtClean="0"/>
+              <a:t>       </a:t>
+            </a:r>
+            <a:r>
+              <a:rPr lang="en-US" altLang="zh-CN" dirty="0" smtClean="0">
+                <a:solidFill>
+                  <a:srgbClr val="00B0F0"/>
+                </a:solidFill>
+              </a:rPr>
+              <a:t>\com\</a:t>
+            </a:r>
+            <a:r>
+              <a:rPr lang="en-US" altLang="zh-CN" dirty="0" err="1" smtClean="0">
+                <a:solidFill>
+                  <a:srgbClr val="00B0F0"/>
+                </a:solidFill>
+              </a:rPr>
+              <a:t>avic_digit</a:t>
+            </a:r>
+            <a:r>
+              <a:rPr lang="en-US" altLang="zh-CN" dirty="0" smtClean="0">
+                <a:solidFill>
+                  <a:srgbClr val="00B0F0"/>
+                </a:solidFill>
+              </a:rPr>
+              <a:t>\</a:t>
+            </a:r>
+            <a:r>
+              <a:rPr lang="en-US" altLang="zh-CN" dirty="0" err="1" smtClean="0">
+                <a:solidFill>
+                  <a:srgbClr val="00B0F0"/>
+                </a:solidFill>
+              </a:rPr>
+              <a:t>plm</a:t>
+            </a:r>
+            <a:r>
+              <a:rPr lang="en-US" altLang="zh-CN" dirty="0" smtClean="0">
+                <a:solidFill>
+                  <a:srgbClr val="00B0F0"/>
+                </a:solidFill>
+              </a:rPr>
+              <a:t>\model</a:t>
+            </a:r>
+            <a:r>
+              <a:rPr lang="en-US" altLang="zh-CN" dirty="0" smtClean="0"/>
+              <a:t>\</a:t>
+            </a:r>
+            <a:r>
+              <a:rPr lang="en-US" altLang="zh-CN" dirty="0" smtClean="0">
+                <a:solidFill>
+                  <a:srgbClr val="FF0000"/>
+                </a:solidFill>
+              </a:rPr>
+              <a:t>Part</a:t>
+            </a:r>
+            <a:r>
+              <a:rPr lang="en-US" altLang="zh-CN" dirty="0" smtClean="0"/>
+              <a:t>.java</a:t>
+            </a:r>
+          </a:p>
+          <a:p>
+            <a:r>
+              <a:rPr lang="zh-CN" altLang="en-US" dirty="0" smtClean="0"/>
+              <a:t>类声明</a:t>
+            </a:r>
+            <a:endParaRPr lang="en-US" altLang="zh-CN" dirty="0" smtClean="0"/>
+          </a:p>
+          <a:p>
+            <a:pPr marL="0" indent="0">
+              <a:buNone/>
+            </a:pPr>
+            <a:r>
+              <a:rPr lang="en-US" altLang="zh-CN" dirty="0" smtClean="0"/>
+              <a:t>   </a:t>
+            </a:r>
+            <a:r>
+              <a:rPr lang="en-US" altLang="zh-CN" dirty="0" smtClean="0">
+                <a:solidFill>
+                  <a:srgbClr val="FF0000"/>
+                </a:solidFill>
+              </a:rPr>
+              <a:t>package </a:t>
+            </a:r>
+            <a:r>
+              <a:rPr lang="en-US" altLang="zh-CN" dirty="0" err="1" smtClean="0">
+                <a:solidFill>
+                  <a:srgbClr val="00B0F0"/>
+                </a:solidFill>
+              </a:rPr>
+              <a:t>com.avic_digit.plm.model</a:t>
+            </a:r>
+            <a:r>
+              <a:rPr lang="en-US" altLang="zh-CN" dirty="0" smtClean="0">
+                <a:solidFill>
+                  <a:srgbClr val="00B0F0"/>
+                </a:solidFill>
+              </a:rPr>
+              <a:t> ;</a:t>
+            </a:r>
+          </a:p>
+          <a:p>
+            <a:pPr marL="400050" lvl="1" indent="0">
+              <a:buNone/>
+            </a:pPr>
+            <a:r>
+              <a:rPr lang="en-US" altLang="zh-CN" dirty="0" smtClean="0"/>
+              <a:t>public class </a:t>
+            </a:r>
+            <a:r>
+              <a:rPr lang="en-US" altLang="zh-CN" dirty="0" smtClean="0">
+                <a:solidFill>
+                  <a:srgbClr val="FF0000"/>
+                </a:solidFill>
+              </a:rPr>
+              <a:t>Part</a:t>
+            </a:r>
+            <a:r>
+              <a:rPr lang="en-US" altLang="zh-CN" dirty="0" smtClean="0"/>
+              <a:t> { …… }</a:t>
+            </a:r>
+          </a:p>
+          <a:p>
+            <a:r>
+              <a:rPr lang="zh-CN" altLang="en-US" dirty="0"/>
+              <a:t>问题</a:t>
+            </a:r>
+            <a:r>
+              <a:rPr lang="zh-CN" altLang="en-US" dirty="0" smtClean="0"/>
+              <a:t>：</a:t>
+            </a:r>
+            <a:endParaRPr lang="en-US" altLang="zh-CN" dirty="0" smtClean="0"/>
+          </a:p>
+          <a:p>
+            <a:pPr lvl="1"/>
+            <a:r>
+              <a:rPr lang="zh-CN" altLang="en-US" dirty="0" smtClean="0"/>
+              <a:t>这个类编译后的</a:t>
+            </a:r>
+            <a:r>
+              <a:rPr lang="en-US" altLang="zh-CN" dirty="0" smtClean="0"/>
+              <a:t>.class</a:t>
+            </a:r>
+            <a:r>
+              <a:rPr lang="zh-CN" altLang="en-US" dirty="0" smtClean="0"/>
+              <a:t>文件存储在什么位置</a:t>
+            </a:r>
+            <a:endParaRPr lang="en-US" altLang="zh-CN" dirty="0" smtClean="0"/>
+          </a:p>
+        </p:txBody>
+      </p:sp>
+    </p:spTree>
+    <p:extLst>
+      <p:ext uri="{BB962C8B-B14F-4D97-AF65-F5344CB8AC3E}">
+        <p14:creationId xmlns:p14="http://schemas.microsoft.com/office/powerpoint/2010/main" val="1360469032"/>
+      </p:ext>
+    </p:extLst>
+  </p:cSld>
+  <p:clrMapOvr>
+    <a:masterClrMapping/>
+  </p:clrMapOvr>
+</p:sld>
+</file>
+
+<file path=ppt/slides/slide14.xml><?xml version="1.0" encoding="utf-8"?>
+<p:sld xmlns:a="http://schemas.openxmlformats.org/drawingml/2006/main" xmlns:r="http://schemas.openxmlformats.org/officeDocument/2006/relationships" xmlns:p="http://schemas.openxmlformats.org/presentationml/2006/main">
+  <p:cSld>
+    <p:spTree>
+      <p:nvGrpSpPr>
+        <p:cNvPr id="1" name=""/>
+        <p:cNvGrpSpPr/>
+        <p:nvPr/>
+      </p:nvGrpSpPr>
+      <p:grpSpPr>
+        <a:xfrm>
+          <a:off x="0" y="0"/>
+          <a:ext cx="0" cy="0"/>
+          <a:chOff x="0" y="0"/>
+          <a:chExt cx="0" cy="0"/>
+        </a:xfrm>
+      </p:grpSpPr>
+      <p:sp>
+        <p:nvSpPr>
+          <p:cNvPr id="2" name="标题 1"/>
+          <p:cNvSpPr>
+            <a:spLocks noGrp="1"/>
+          </p:cNvSpPr>
+          <p:nvPr>
+            <p:ph type="title"/>
+          </p:nvPr>
+        </p:nvSpPr>
+        <p:spPr/>
+        <p:txBody>
+          <a:bodyPr>
+            <a:normAutofit fontScale="90000"/>
+          </a:bodyPr>
+          <a:lstStyle/>
+          <a:p>
+            <a:r>
+              <a:rPr lang="zh-CN" altLang="en-US" dirty="0" smtClean="0"/>
+              <a:t>包 </a:t>
+            </a:r>
+            <a:r>
+              <a:rPr lang="en-US" altLang="zh-CN" dirty="0" smtClean="0"/>
+              <a:t>– import</a:t>
+            </a:r>
+            <a:endParaRPr lang="zh-CN" altLang="en-US" dirty="0"/>
+          </a:p>
+        </p:txBody>
+      </p:sp>
+      <p:sp>
+        <p:nvSpPr>
+          <p:cNvPr id="3" name="内容占位符 2"/>
+          <p:cNvSpPr>
+            <a:spLocks noGrp="1"/>
+          </p:cNvSpPr>
+          <p:nvPr>
+            <p:ph idx="1"/>
+          </p:nvPr>
+        </p:nvSpPr>
+        <p:spPr/>
+        <p:txBody>
+          <a:bodyPr>
+            <a:normAutofit fontScale="85000" lnSpcReduction="20000"/>
+          </a:bodyPr>
+          <a:lstStyle/>
+          <a:p>
+            <a:pPr marL="0" indent="0">
+              <a:buNone/>
+            </a:pPr>
+            <a:r>
+              <a:rPr lang="en-US" altLang="zh-CN" dirty="0" err="1" smtClean="0"/>
+              <a:t>pacakge</a:t>
+            </a:r>
+            <a:r>
+              <a:rPr lang="en-US" altLang="zh-CN" dirty="0"/>
+              <a:t>  </a:t>
+            </a:r>
+            <a:r>
+              <a:rPr lang="en-US" altLang="zh-CN" dirty="0" err="1" smtClean="0"/>
+              <a:t>com.avic_digit.plm.service</a:t>
+            </a:r>
+            <a:r>
+              <a:rPr lang="en-US" altLang="zh-CN" dirty="0"/>
+              <a:t> </a:t>
+            </a:r>
+            <a:r>
+              <a:rPr lang="en-US" altLang="zh-CN" dirty="0" smtClean="0"/>
+              <a:t>;</a:t>
+            </a:r>
+          </a:p>
+          <a:p>
+            <a:pPr marL="0" indent="0">
+              <a:buNone/>
+            </a:pPr>
+            <a:endParaRPr lang="en-US" altLang="zh-CN" dirty="0" smtClean="0"/>
+          </a:p>
+          <a:p>
+            <a:pPr marL="0" indent="0">
+              <a:buNone/>
+            </a:pPr>
+            <a:r>
+              <a:rPr lang="en-US" altLang="zh-CN" dirty="0">
+                <a:solidFill>
+                  <a:srgbClr val="C00000"/>
+                </a:solidFill>
+              </a:rPr>
+              <a:t>i</a:t>
+            </a:r>
+            <a:r>
+              <a:rPr lang="en-US" altLang="zh-CN" dirty="0" smtClean="0">
+                <a:solidFill>
+                  <a:srgbClr val="C00000"/>
+                </a:solidFill>
+              </a:rPr>
+              <a:t>mport </a:t>
+            </a:r>
+            <a:r>
+              <a:rPr lang="en-US" altLang="zh-CN" dirty="0" err="1" smtClean="0">
+                <a:solidFill>
+                  <a:srgbClr val="00B0F0"/>
+                </a:solidFill>
+              </a:rPr>
+              <a:t>com.avic_digit.plm.model.Part</a:t>
+            </a:r>
+            <a:r>
+              <a:rPr lang="en-US" altLang="zh-CN" dirty="0" smtClean="0">
+                <a:solidFill>
+                  <a:srgbClr val="00B0F0"/>
+                </a:solidFill>
+              </a:rPr>
+              <a:t> </a:t>
+            </a:r>
+            <a:r>
+              <a:rPr lang="en-US" altLang="zh-CN" dirty="0">
+                <a:solidFill>
+                  <a:srgbClr val="00B0F0"/>
+                </a:solidFill>
+              </a:rPr>
+              <a:t>;</a:t>
+            </a:r>
+            <a:endParaRPr lang="en-US" altLang="zh-CN" dirty="0"/>
+          </a:p>
+          <a:p>
+            <a:pPr marL="0" indent="0">
+              <a:buNone/>
+            </a:pPr>
+            <a:endParaRPr lang="en-US" altLang="zh-CN" dirty="0" smtClean="0"/>
+          </a:p>
+          <a:p>
+            <a:pPr marL="0" indent="0">
+              <a:buNone/>
+            </a:pPr>
+            <a:r>
+              <a:rPr lang="en-US" altLang="zh-CN" dirty="0" smtClean="0"/>
+              <a:t>public class </a:t>
+            </a:r>
+            <a:r>
+              <a:rPr lang="en-US" altLang="zh-CN" dirty="0" err="1" smtClean="0"/>
+              <a:t>PartRender</a:t>
+            </a:r>
+            <a:r>
+              <a:rPr lang="en-US" altLang="zh-CN" dirty="0"/>
+              <a:t> </a:t>
+            </a:r>
+            <a:r>
+              <a:rPr lang="en-US" altLang="zh-CN" dirty="0" smtClean="0"/>
+              <a:t>{</a:t>
+            </a:r>
+          </a:p>
+          <a:p>
+            <a:pPr marL="0" indent="0">
+              <a:buNone/>
+            </a:pPr>
+            <a:r>
+              <a:rPr lang="en-US" altLang="zh-CN" dirty="0"/>
+              <a:t> </a:t>
+            </a:r>
+            <a:r>
+              <a:rPr lang="en-US" altLang="zh-CN" dirty="0" smtClean="0"/>
+              <a:t>   ….</a:t>
+            </a:r>
+          </a:p>
+          <a:p>
+            <a:pPr marL="0" indent="0">
+              <a:buNone/>
+            </a:pPr>
+            <a:r>
+              <a:rPr lang="en-US" altLang="zh-CN" dirty="0"/>
+              <a:t> </a:t>
+            </a:r>
+            <a:r>
+              <a:rPr lang="en-US" altLang="zh-CN" dirty="0" smtClean="0"/>
+              <a:t>   Part part = new Part() ;</a:t>
+            </a:r>
+          </a:p>
+          <a:p>
+            <a:r>
+              <a:rPr lang="zh-CN" altLang="en-US" dirty="0" smtClean="0"/>
+              <a:t>同一个包中类相互引用，不需要</a:t>
+            </a:r>
+            <a:r>
+              <a:rPr lang="en-US" altLang="zh-CN" dirty="0" smtClean="0"/>
+              <a:t>import</a:t>
+            </a:r>
+          </a:p>
+          <a:p>
+            <a:r>
+              <a:rPr lang="zh-CN" altLang="en-US" dirty="0" smtClean="0"/>
+              <a:t>引入包中的所有类：</a:t>
+            </a:r>
+            <a:r>
+              <a:rPr lang="en-US" altLang="zh-CN" dirty="0" smtClean="0"/>
+              <a:t>*</a:t>
+            </a:r>
+          </a:p>
+          <a:p>
+            <a:r>
+              <a:rPr lang="zh-CN" altLang="en-US" dirty="0" smtClean="0"/>
+              <a:t>引入类中的所有静态方法：</a:t>
+            </a:r>
+            <a:endParaRPr lang="en-US" altLang="zh-CN" dirty="0" smtClean="0"/>
+          </a:p>
+          <a:p>
+            <a:pPr lvl="1"/>
+            <a:r>
+              <a:rPr lang="en-US" altLang="zh-CN" dirty="0"/>
+              <a:t> </a:t>
+            </a:r>
+            <a:r>
+              <a:rPr lang="en-US" altLang="zh-CN" dirty="0" smtClean="0">
+                <a:solidFill>
+                  <a:srgbClr val="FF0000"/>
+                </a:solidFill>
+              </a:rPr>
+              <a:t>import static </a:t>
+            </a:r>
+            <a:r>
+              <a:rPr lang="en-US" altLang="zh-CN" dirty="0" smtClean="0"/>
+              <a:t>com.aciv_digit.plm.util.Utils.*</a:t>
+            </a:r>
+            <a:endParaRPr lang="zh-CN" altLang="en-US" dirty="0"/>
+          </a:p>
+        </p:txBody>
+      </p:sp>
+    </p:spTree>
+    <p:extLst>
+      <p:ext uri="{BB962C8B-B14F-4D97-AF65-F5344CB8AC3E}">
+        <p14:creationId xmlns:p14="http://schemas.microsoft.com/office/powerpoint/2010/main" val="3490501233"/>
+      </p:ext>
+    </p:extLst>
+  </p:cSld>
+  <p:clrMapOvr>
+    <a:masterClrMapping/>
+  </p:clrMapOvr>
+</p:sld>
+</file>
+
+<file path=ppt/slides/slide15.xml><?xml version="1.0" encoding="utf-8"?>
+<p:sld xmlns:a="http://schemas.openxmlformats.org/drawingml/2006/main" xmlns:r="http://schemas.openxmlformats.org/officeDocument/2006/relationships" xmlns:p="http://schemas.openxmlformats.org/presentationml/2006/main">
+  <p:cSld>
+    <p:spTree>
+      <p:nvGrpSpPr>
+        <p:cNvPr id="1" name=""/>
+        <p:cNvGrpSpPr/>
+        <p:nvPr/>
+      </p:nvGrpSpPr>
+      <p:grpSpPr>
+        <a:xfrm>
+          <a:off x="0" y="0"/>
+          <a:ext cx="0" cy="0"/>
+          <a:chOff x="0" y="0"/>
+          <a:chExt cx="0" cy="0"/>
+        </a:xfrm>
+      </p:grpSpPr>
+      <p:sp>
+        <p:nvSpPr>
+          <p:cNvPr id="2" name="标题 1"/>
+          <p:cNvSpPr>
+            <a:spLocks noGrp="1"/>
+          </p:cNvSpPr>
+          <p:nvPr>
+            <p:ph type="title"/>
+          </p:nvPr>
+        </p:nvSpPr>
+        <p:spPr/>
+        <p:txBody>
+          <a:bodyPr>
+            <a:normAutofit fontScale="90000"/>
+          </a:bodyPr>
+          <a:lstStyle/>
+          <a:p>
+            <a:r>
+              <a:rPr lang="en-US" altLang="zh-CN" dirty="0"/>
+              <a:t>Java </a:t>
+            </a:r>
+            <a:r>
+              <a:rPr lang="zh-CN" altLang="en-US" dirty="0"/>
+              <a:t>的常用包</a:t>
+            </a:r>
+          </a:p>
+        </p:txBody>
+      </p:sp>
+      <p:sp>
+        <p:nvSpPr>
+          <p:cNvPr id="3" name="内容占位符 2"/>
+          <p:cNvSpPr>
+            <a:spLocks noGrp="1"/>
+          </p:cNvSpPr>
+          <p:nvPr>
+            <p:ph idx="1"/>
+          </p:nvPr>
+        </p:nvSpPr>
+        <p:spPr>
+          <a:xfrm>
+            <a:off x="457200" y="1124744"/>
+            <a:ext cx="8229600" cy="5001419"/>
+          </a:xfrm>
+        </p:spPr>
+        <p:txBody>
+          <a:bodyPr>
+            <a:normAutofit fontScale="77500" lnSpcReduction="20000"/>
+          </a:bodyPr>
+          <a:lstStyle/>
+          <a:p>
+            <a:r>
+              <a:rPr lang="en-US" altLang="zh-CN" dirty="0" err="1" smtClean="0"/>
+              <a:t>java.lang</a:t>
+            </a:r>
+            <a:endParaRPr lang="en-US" altLang="zh-CN" dirty="0" smtClean="0"/>
+          </a:p>
+          <a:p>
+            <a:pPr lvl="1"/>
+            <a:r>
+              <a:rPr lang="en-US" altLang="zh-CN" dirty="0" smtClean="0"/>
+              <a:t>System, String, Wrapper</a:t>
+            </a:r>
+            <a:r>
+              <a:rPr lang="zh-CN" altLang="en-US" dirty="0" smtClean="0"/>
+              <a:t>类（</a:t>
+            </a:r>
+            <a:r>
+              <a:rPr lang="en-US" altLang="zh-CN" dirty="0" smtClean="0"/>
+              <a:t>Integer……)</a:t>
+            </a:r>
+          </a:p>
+          <a:p>
+            <a:pPr lvl="1"/>
+            <a:r>
+              <a:rPr lang="zh-CN" altLang="en-US" dirty="0" smtClean="0"/>
+              <a:t>不需要</a:t>
+            </a:r>
+            <a:r>
+              <a:rPr lang="en-US" altLang="zh-CN" dirty="0" smtClean="0"/>
+              <a:t>import</a:t>
+            </a:r>
+            <a:r>
+              <a:rPr lang="zh-CN" altLang="en-US" dirty="0" smtClean="0"/>
+              <a:t>，可以直接使用</a:t>
+            </a:r>
+            <a:endParaRPr lang="en-US" altLang="zh-CN" dirty="0" smtClean="0"/>
+          </a:p>
+          <a:p>
+            <a:r>
+              <a:rPr lang="en-US" altLang="zh-CN" dirty="0" err="1" smtClean="0"/>
+              <a:t>java.time</a:t>
+            </a:r>
+            <a:endParaRPr lang="en-US" altLang="zh-CN" dirty="0"/>
+          </a:p>
+          <a:p>
+            <a:r>
+              <a:rPr lang="en-US" altLang="zh-CN" dirty="0" err="1" smtClean="0"/>
+              <a:t>java.util</a:t>
+            </a:r>
+            <a:endParaRPr lang="en-US" altLang="zh-CN" dirty="0" smtClean="0"/>
+          </a:p>
+          <a:p>
+            <a:r>
+              <a:rPr lang="en-US" altLang="zh-CN" dirty="0" err="1" smtClean="0"/>
+              <a:t>java.util.concurrent</a:t>
+            </a:r>
+            <a:endParaRPr lang="en-US" altLang="zh-CN" dirty="0"/>
+          </a:p>
+          <a:p>
+            <a:r>
+              <a:rPr lang="en-US" altLang="zh-CN" dirty="0" smtClean="0"/>
+              <a:t>java.net</a:t>
+            </a:r>
+            <a:endParaRPr lang="en-US" altLang="zh-CN" dirty="0"/>
+          </a:p>
+          <a:p>
+            <a:r>
+              <a:rPr lang="en-US" altLang="zh-CN" dirty="0" smtClean="0"/>
+              <a:t>java.io</a:t>
+            </a:r>
+            <a:endParaRPr lang="en-US" altLang="zh-CN" dirty="0"/>
+          </a:p>
+          <a:p>
+            <a:r>
+              <a:rPr lang="en-US" altLang="zh-CN" dirty="0" err="1" smtClean="0"/>
+              <a:t>java.nio</a:t>
+            </a:r>
+            <a:endParaRPr lang="en-US" altLang="zh-CN" dirty="0"/>
+          </a:p>
+          <a:p>
+            <a:r>
+              <a:rPr lang="en-US" altLang="zh-CN" dirty="0" err="1" smtClean="0"/>
+              <a:t>java.text</a:t>
+            </a:r>
+            <a:endParaRPr lang="en-US" altLang="zh-CN" dirty="0"/>
+          </a:p>
+          <a:p>
+            <a:r>
+              <a:rPr lang="en-US" altLang="zh-CN" dirty="0" err="1" smtClean="0"/>
+              <a:t>java.sql</a:t>
+            </a:r>
+            <a:endParaRPr lang="en-US" altLang="zh-CN" dirty="0" smtClean="0"/>
+          </a:p>
+          <a:p>
+            <a:r>
+              <a:rPr lang="zh-CN" altLang="en-US" dirty="0" smtClean="0"/>
+              <a:t>文档：</a:t>
+            </a:r>
+            <a:endParaRPr lang="en-US" altLang="zh-CN" dirty="0" smtClean="0"/>
+          </a:p>
+          <a:p>
+            <a:pPr lvl="1"/>
+            <a:r>
+              <a:rPr lang="en-US" altLang="zh-CN" dirty="0">
+                <a:solidFill>
+                  <a:srgbClr val="C00000"/>
+                </a:solidFill>
+              </a:rPr>
+              <a:t>https://docs.oracle.com/javase/8/docs/api/</a:t>
+            </a:r>
+          </a:p>
+        </p:txBody>
+      </p:sp>
+    </p:spTree>
+    <p:extLst>
+      <p:ext uri="{BB962C8B-B14F-4D97-AF65-F5344CB8AC3E}">
+        <p14:creationId xmlns:p14="http://schemas.microsoft.com/office/powerpoint/2010/main" val="693224943"/>
+      </p:ext>
+    </p:extLst>
+  </p:cSld>
+  <p:clrMapOvr>
+    <a:masterClrMapping/>
+  </p:clrMapOvr>
+</p:sld>
+</file>
+
+<file path=ppt/slides/slide16.xml><?xml version="1.0" encoding="utf-8"?>
 <p:sld xmlns:a="http://schemas.openxmlformats.org/drawingml/2006/main" xmlns:r="http://schemas.openxmlformats.org/officeDocument/2006/relationships" xmlns:p="http://schemas.openxmlformats.org/presentationml/2006/main">
   <p:cSld>
     <p:spTree>
@@ -39788,6 +40957,1805 @@
       </p:par>
     </p:tnLst>
   </p:timing>
+</p:sld>
+</file>
+
+<file path=ppt/slides/slide2.xml><?xml version="1.0" encoding="utf-8"?>
+<p:sld xmlns:a="http://schemas.openxmlformats.org/drawingml/2006/main" xmlns:r="http://schemas.openxmlformats.org/officeDocument/2006/relationships" xmlns:p="http://schemas.openxmlformats.org/presentationml/2006/main">
+  <p:cSld>
+    <p:spTree>
+      <p:nvGrpSpPr>
+        <p:cNvPr id="1" name=""/>
+        <p:cNvGrpSpPr/>
+        <p:nvPr/>
+      </p:nvGrpSpPr>
+      <p:grpSpPr>
+        <a:xfrm>
+          <a:off x="0" y="0"/>
+          <a:ext cx="0" cy="0"/>
+          <a:chOff x="0" y="0"/>
+          <a:chExt cx="0" cy="0"/>
+        </a:xfrm>
+      </p:grpSpPr>
+      <p:sp>
+        <p:nvSpPr>
+          <p:cNvPr id="2" name="标题 1"/>
+          <p:cNvSpPr>
+            <a:spLocks noGrp="1"/>
+          </p:cNvSpPr>
+          <p:nvPr>
+            <p:ph type="title"/>
+          </p:nvPr>
+        </p:nvSpPr>
+        <p:spPr/>
+        <p:txBody>
+          <a:bodyPr>
+            <a:normAutofit fontScale="90000"/>
+          </a:bodyPr>
+          <a:lstStyle/>
+          <a:p>
+            <a:r>
+              <a:rPr lang="zh-CN" altLang="en-US" dirty="0"/>
+              <a:t>定义类</a:t>
+            </a:r>
+          </a:p>
+        </p:txBody>
+      </p:sp>
+      <p:sp>
+        <p:nvSpPr>
+          <p:cNvPr id="3" name="内容占位符 2"/>
+          <p:cNvSpPr>
+            <a:spLocks noGrp="1"/>
+          </p:cNvSpPr>
+          <p:nvPr>
+            <p:ph idx="1"/>
+          </p:nvPr>
+        </p:nvSpPr>
+        <p:spPr/>
+        <p:txBody>
+          <a:bodyPr>
+            <a:normAutofit fontScale="85000" lnSpcReduction="20000"/>
+          </a:bodyPr>
+          <a:lstStyle/>
+          <a:p>
+            <a:pPr marL="0" lvl="1" indent="0">
+              <a:buNone/>
+            </a:pPr>
+            <a:r>
+              <a:rPr lang="en-US" altLang="zh-CN" dirty="0" smtClean="0"/>
+              <a:t>[</a:t>
+            </a:r>
+            <a:r>
+              <a:rPr lang="zh-CN" altLang="en-US" dirty="0"/>
+              <a:t>访问</a:t>
+            </a:r>
+            <a:r>
+              <a:rPr lang="zh-CN" altLang="en-US" dirty="0" smtClean="0"/>
+              <a:t>控制符</a:t>
+            </a:r>
+            <a:r>
+              <a:rPr lang="en-US" altLang="zh-CN" dirty="0" smtClean="0"/>
+              <a:t>] </a:t>
+            </a:r>
+            <a:r>
+              <a:rPr lang="en-US" altLang="zh-CN" dirty="0"/>
+              <a:t>class </a:t>
+            </a:r>
+            <a:r>
+              <a:rPr lang="zh-CN" altLang="en-US" dirty="0"/>
+              <a:t>类名 </a:t>
+            </a:r>
+            <a:r>
+              <a:rPr lang="en-US" altLang="zh-CN" dirty="0" smtClean="0"/>
+              <a:t>{</a:t>
+            </a:r>
+          </a:p>
+          <a:p>
+            <a:pPr marL="0" indent="0">
+              <a:buNone/>
+            </a:pPr>
+            <a:r>
+              <a:rPr lang="en-US" altLang="zh-CN" dirty="0" smtClean="0"/>
+              <a:t>   [</a:t>
+            </a:r>
+            <a:r>
+              <a:rPr lang="zh-CN" altLang="en-US" dirty="0"/>
+              <a:t>访问控制符</a:t>
+            </a:r>
+            <a:r>
+              <a:rPr lang="en-US" altLang="zh-CN" dirty="0" smtClean="0"/>
+              <a:t>]</a:t>
+            </a:r>
+            <a:r>
+              <a:rPr lang="zh-CN" altLang="en-US" dirty="0" smtClean="0"/>
+              <a:t>构造函数定义</a:t>
+            </a:r>
+            <a:endParaRPr lang="en-US" altLang="zh-CN" dirty="0" smtClean="0"/>
+          </a:p>
+          <a:p>
+            <a:pPr marL="0" indent="0">
+              <a:buNone/>
+            </a:pPr>
+            <a:r>
+              <a:rPr lang="en-US" altLang="zh-CN" dirty="0" smtClean="0"/>
+              <a:t>   [</a:t>
+            </a:r>
+            <a:r>
+              <a:rPr lang="zh-CN" altLang="en-US" dirty="0"/>
+              <a:t>访问控制符</a:t>
+            </a:r>
+            <a:r>
+              <a:rPr lang="en-US" altLang="zh-CN" dirty="0" smtClean="0"/>
+              <a:t>]</a:t>
+            </a:r>
+            <a:r>
+              <a:rPr lang="zh-CN" altLang="en-US" dirty="0" smtClean="0"/>
+              <a:t>属性定义</a:t>
+            </a:r>
+            <a:endParaRPr lang="en-US" altLang="zh-CN" dirty="0" smtClean="0"/>
+          </a:p>
+          <a:p>
+            <a:pPr marL="0" indent="0">
+              <a:buNone/>
+            </a:pPr>
+            <a:r>
+              <a:rPr lang="en-US" altLang="zh-CN" dirty="0" smtClean="0"/>
+              <a:t>   [</a:t>
+            </a:r>
+            <a:r>
+              <a:rPr lang="zh-CN" altLang="en-US" dirty="0"/>
+              <a:t>访问控制符</a:t>
+            </a:r>
+            <a:r>
+              <a:rPr lang="en-US" altLang="zh-CN" dirty="0" smtClean="0"/>
+              <a:t>]</a:t>
+            </a:r>
+            <a:r>
+              <a:rPr lang="zh-CN" altLang="en-US" dirty="0" smtClean="0"/>
+              <a:t>方法定义 </a:t>
+            </a:r>
+            <a:endParaRPr lang="en-US" altLang="zh-CN" dirty="0" smtClean="0"/>
+          </a:p>
+          <a:p>
+            <a:pPr marL="0" indent="0">
+              <a:buNone/>
+            </a:pPr>
+            <a:r>
+              <a:rPr lang="en-US" altLang="zh-CN" dirty="0" smtClean="0"/>
+              <a:t>}</a:t>
+            </a:r>
+          </a:p>
+          <a:p>
+            <a:r>
+              <a:rPr lang="zh-CN" altLang="en-US" dirty="0" smtClean="0"/>
+              <a:t>与</a:t>
+            </a:r>
+            <a:r>
+              <a:rPr lang="en-US" altLang="zh-CN" dirty="0" smtClean="0"/>
+              <a:t>C++</a:t>
+            </a:r>
+            <a:r>
+              <a:rPr lang="zh-CN" altLang="en-US" dirty="0" smtClean="0"/>
+              <a:t>的比较</a:t>
+            </a:r>
+            <a:endParaRPr lang="en-US" altLang="zh-CN" dirty="0" smtClean="0"/>
+          </a:p>
+          <a:p>
+            <a:pPr lvl="1"/>
+            <a:r>
+              <a:rPr lang="zh-CN" altLang="en-US" dirty="0" smtClean="0"/>
+              <a:t>类的定义类似于</a:t>
+            </a:r>
+            <a:r>
+              <a:rPr lang="en-US" altLang="zh-CN" dirty="0" smtClean="0"/>
+              <a:t>C++</a:t>
+            </a:r>
+            <a:r>
+              <a:rPr lang="zh-CN" altLang="en-US" dirty="0" smtClean="0"/>
+              <a:t>的类的内联定义</a:t>
+            </a:r>
+            <a:endParaRPr lang="en-US" altLang="zh-CN" dirty="0" smtClean="0"/>
+          </a:p>
+          <a:p>
+            <a:pPr lvl="1"/>
+            <a:r>
+              <a:rPr lang="en-US" altLang="zh-CN" dirty="0" smtClean="0"/>
+              <a:t>this</a:t>
+            </a:r>
+            <a:r>
+              <a:rPr lang="zh-CN" altLang="en-US" dirty="0" smtClean="0"/>
+              <a:t>关键字的语义与</a:t>
+            </a:r>
+            <a:r>
+              <a:rPr lang="en-US" altLang="zh-CN" dirty="0" smtClean="0"/>
+              <a:t>C++</a:t>
+            </a:r>
+            <a:r>
+              <a:rPr lang="zh-CN" altLang="en-US" dirty="0" smtClean="0"/>
+              <a:t>也相同</a:t>
+            </a:r>
+            <a:endParaRPr lang="en-US" altLang="zh-CN" dirty="0" smtClean="0"/>
+          </a:p>
+          <a:p>
+            <a:pPr lvl="1"/>
+            <a:r>
+              <a:rPr lang="zh-CN" altLang="en-US" dirty="0" smtClean="0"/>
+              <a:t>方法可以重载，但运算符不能重载</a:t>
+            </a:r>
+            <a:endParaRPr lang="en-US" altLang="zh-CN" dirty="0" smtClean="0"/>
+          </a:p>
+          <a:p>
+            <a:pPr lvl="1"/>
+            <a:r>
+              <a:rPr lang="zh-CN" altLang="en-US" dirty="0" smtClean="0"/>
+              <a:t>访问控制符</a:t>
+            </a:r>
+            <a:r>
+              <a:rPr lang="en-US" altLang="zh-CN" dirty="0" smtClean="0"/>
+              <a:t>: public, protected, private,</a:t>
+            </a:r>
+            <a:r>
+              <a:rPr lang="zh-CN" altLang="en-US" dirty="0" smtClean="0"/>
+              <a:t>含义一样。但访问控制符可以省略（包内可见）</a:t>
+            </a:r>
+            <a:endParaRPr lang="en-US" altLang="zh-CN" dirty="0" smtClean="0"/>
+          </a:p>
+        </p:txBody>
+      </p:sp>
+    </p:spTree>
+    <p:extLst>
+      <p:ext uri="{BB962C8B-B14F-4D97-AF65-F5344CB8AC3E}">
+        <p14:creationId xmlns:p14="http://schemas.microsoft.com/office/powerpoint/2010/main" val="3959539114"/>
+      </p:ext>
+    </p:extLst>
+  </p:cSld>
+  <p:clrMapOvr>
+    <a:masterClrMapping/>
+  </p:clrMapOvr>
+  <p:timing>
+    <p:tnLst>
+      <p:par>
+        <p:cTn id="1" dur="indefinite" restart="never" nodeType="tmRoot"/>
+      </p:par>
+    </p:tnLst>
+  </p:timing>
+</p:sld>
+</file>
+
+<file path=ppt/slides/slide3.xml><?xml version="1.0" encoding="utf-8"?>
+<p:sld xmlns:a="http://schemas.openxmlformats.org/drawingml/2006/main" xmlns:r="http://schemas.openxmlformats.org/officeDocument/2006/relationships" xmlns:p="http://schemas.openxmlformats.org/presentationml/2006/main">
+  <p:cSld>
+    <p:spTree>
+      <p:nvGrpSpPr>
+        <p:cNvPr id="1" name=""/>
+        <p:cNvGrpSpPr/>
+        <p:nvPr/>
+      </p:nvGrpSpPr>
+      <p:grpSpPr>
+        <a:xfrm>
+          <a:off x="0" y="0"/>
+          <a:ext cx="0" cy="0"/>
+          <a:chOff x="0" y="0"/>
+          <a:chExt cx="0" cy="0"/>
+        </a:xfrm>
+      </p:grpSpPr>
+      <p:sp>
+        <p:nvSpPr>
+          <p:cNvPr id="2" name="标题 1"/>
+          <p:cNvSpPr>
+            <a:spLocks noGrp="1"/>
+          </p:cNvSpPr>
+          <p:nvPr>
+            <p:ph type="title"/>
+          </p:nvPr>
+        </p:nvSpPr>
+        <p:spPr/>
+        <p:txBody>
+          <a:bodyPr>
+            <a:normAutofit fontScale="90000"/>
+          </a:bodyPr>
+          <a:lstStyle/>
+          <a:p>
+            <a:r>
+              <a:rPr lang="zh-CN" altLang="en-US" dirty="0" smtClean="0"/>
+              <a:t>属性</a:t>
+            </a:r>
+            <a:r>
+              <a:rPr lang="en-US" altLang="zh-CN" dirty="0" smtClean="0"/>
+              <a:t>(</a:t>
+            </a:r>
+            <a:r>
+              <a:rPr lang="zh-CN" altLang="en-US" dirty="0" smtClean="0"/>
+              <a:t>成员变量）定义</a:t>
+            </a:r>
+            <a:endParaRPr lang="zh-CN" altLang="en-US" dirty="0"/>
+          </a:p>
+        </p:txBody>
+      </p:sp>
+      <p:sp>
+        <p:nvSpPr>
+          <p:cNvPr id="3" name="内容占位符 2"/>
+          <p:cNvSpPr>
+            <a:spLocks noGrp="1"/>
+          </p:cNvSpPr>
+          <p:nvPr>
+            <p:ph idx="1"/>
+          </p:nvPr>
+        </p:nvSpPr>
+        <p:spPr>
+          <a:xfrm>
+            <a:off x="395536" y="1124744"/>
+            <a:ext cx="8229600" cy="4525963"/>
+          </a:xfrm>
+        </p:spPr>
+        <p:txBody>
+          <a:bodyPr/>
+          <a:lstStyle/>
+          <a:p>
+            <a:pPr marL="0" indent="0">
+              <a:buNone/>
+            </a:pPr>
+            <a:r>
+              <a:rPr lang="en-US" altLang="zh-CN" dirty="0" smtClean="0"/>
+              <a:t>public  Person {</a:t>
+            </a:r>
+          </a:p>
+          <a:p>
+            <a:pPr marL="0" indent="0">
+              <a:buNone/>
+            </a:pPr>
+            <a:r>
+              <a:rPr lang="en-US" altLang="zh-CN" dirty="0"/>
+              <a:t> </a:t>
+            </a:r>
+            <a:r>
+              <a:rPr lang="en-US" altLang="zh-CN" dirty="0" smtClean="0"/>
+              <a:t>  private String name ;</a:t>
+            </a:r>
+          </a:p>
+          <a:p>
+            <a:pPr marL="0" indent="0">
+              <a:buNone/>
+            </a:pPr>
+            <a:r>
+              <a:rPr lang="en-US" altLang="zh-CN" dirty="0"/>
+              <a:t> </a:t>
+            </a:r>
+            <a:r>
+              <a:rPr lang="en-US" altLang="zh-CN" dirty="0" smtClean="0"/>
+              <a:t>  private </a:t>
+            </a:r>
+            <a:r>
+              <a:rPr lang="en-US" altLang="zh-CN" dirty="0" err="1" smtClean="0"/>
+              <a:t>int</a:t>
+            </a:r>
+            <a:r>
+              <a:rPr lang="en-US" altLang="zh-CN" dirty="0" smtClean="0"/>
+              <a:t> age ;</a:t>
+            </a:r>
+          </a:p>
+          <a:p>
+            <a:pPr marL="0" indent="0">
+              <a:buNone/>
+            </a:pPr>
+            <a:r>
+              <a:rPr lang="en-US" altLang="zh-CN" dirty="0" smtClean="0"/>
+              <a:t>}</a:t>
+            </a:r>
+          </a:p>
+          <a:p>
+            <a:pPr marL="0" indent="0">
+              <a:buNone/>
+            </a:pPr>
+            <a:endParaRPr lang="en-US" altLang="zh-CN" dirty="0" smtClean="0"/>
+          </a:p>
+        </p:txBody>
+      </p:sp>
+    </p:spTree>
+    <p:extLst>
+      <p:ext uri="{BB962C8B-B14F-4D97-AF65-F5344CB8AC3E}">
+        <p14:creationId xmlns:p14="http://schemas.microsoft.com/office/powerpoint/2010/main" val="2745071612"/>
+      </p:ext>
+    </p:extLst>
+  </p:cSld>
+  <p:clrMapOvr>
+    <a:masterClrMapping/>
+  </p:clrMapOvr>
+  <p:timing>
+    <p:tnLst>
+      <p:par>
+        <p:cTn id="1" dur="indefinite" restart="never" nodeType="tmRoot"/>
+      </p:par>
+    </p:tnLst>
+  </p:timing>
+</p:sld>
+</file>
+
+<file path=ppt/slides/slide4.xml><?xml version="1.0" encoding="utf-8"?>
+<p:sld xmlns:a="http://schemas.openxmlformats.org/drawingml/2006/main" xmlns:r="http://schemas.openxmlformats.org/officeDocument/2006/relationships" xmlns:p="http://schemas.openxmlformats.org/presentationml/2006/main">
+  <p:cSld>
+    <p:spTree>
+      <p:nvGrpSpPr>
+        <p:cNvPr id="1" name=""/>
+        <p:cNvGrpSpPr/>
+        <p:nvPr/>
+      </p:nvGrpSpPr>
+      <p:grpSpPr>
+        <a:xfrm>
+          <a:off x="0" y="0"/>
+          <a:ext cx="0" cy="0"/>
+          <a:chOff x="0" y="0"/>
+          <a:chExt cx="0" cy="0"/>
+        </a:xfrm>
+      </p:grpSpPr>
+      <p:sp>
+        <p:nvSpPr>
+          <p:cNvPr id="2" name="标题 1"/>
+          <p:cNvSpPr>
+            <a:spLocks noGrp="1"/>
+          </p:cNvSpPr>
+          <p:nvPr>
+            <p:ph type="title"/>
+          </p:nvPr>
+        </p:nvSpPr>
+        <p:spPr/>
+        <p:txBody>
+          <a:bodyPr>
+            <a:normAutofit fontScale="90000"/>
+          </a:bodyPr>
+          <a:lstStyle/>
+          <a:p>
+            <a:r>
+              <a:rPr lang="zh-CN" altLang="en-US" dirty="0" smtClean="0"/>
+              <a:t>构造函数</a:t>
+            </a:r>
+            <a:endParaRPr lang="zh-CN" altLang="en-US" dirty="0"/>
+          </a:p>
+        </p:txBody>
+      </p:sp>
+      <p:sp>
+        <p:nvSpPr>
+          <p:cNvPr id="3" name="内容占位符 2"/>
+          <p:cNvSpPr>
+            <a:spLocks noGrp="1"/>
+          </p:cNvSpPr>
+          <p:nvPr>
+            <p:ph idx="1"/>
+          </p:nvPr>
+        </p:nvSpPr>
+        <p:spPr/>
+        <p:txBody>
+          <a:bodyPr>
+            <a:normAutofit fontScale="70000" lnSpcReduction="20000"/>
+          </a:bodyPr>
+          <a:lstStyle/>
+          <a:p>
+            <a:pPr marL="0" indent="0">
+              <a:buNone/>
+            </a:pPr>
+            <a:r>
+              <a:rPr lang="en-US" altLang="zh-CN" dirty="0"/>
+              <a:t>public  Person </a:t>
+            </a:r>
+            <a:r>
+              <a:rPr lang="en-US" altLang="zh-CN" dirty="0" smtClean="0"/>
+              <a:t>{</a:t>
+            </a:r>
+          </a:p>
+          <a:p>
+            <a:pPr marL="0" indent="0">
+              <a:buNone/>
+            </a:pPr>
+            <a:r>
+              <a:rPr lang="en-US" altLang="zh-CN" dirty="0"/>
+              <a:t> </a:t>
+            </a:r>
+            <a:r>
+              <a:rPr lang="en-US" altLang="zh-CN" dirty="0" smtClean="0"/>
+              <a:t>   …..</a:t>
+            </a:r>
+          </a:p>
+          <a:p>
+            <a:pPr marL="0" indent="0">
+              <a:buNone/>
+            </a:pPr>
+            <a:r>
+              <a:rPr lang="en-US" altLang="zh-CN" dirty="0"/>
+              <a:t> </a:t>
+            </a:r>
+            <a:r>
+              <a:rPr lang="en-US" altLang="zh-CN" dirty="0" smtClean="0"/>
+              <a:t>   public Person()</a:t>
+            </a:r>
+            <a:r>
+              <a:rPr lang="zh-CN" altLang="en-US" dirty="0" smtClean="0"/>
+              <a:t>｛｝</a:t>
+            </a:r>
+            <a:endParaRPr lang="en-US" altLang="zh-CN" dirty="0" smtClean="0"/>
+          </a:p>
+          <a:p>
+            <a:pPr marL="0" indent="0">
+              <a:buNone/>
+            </a:pPr>
+            <a:r>
+              <a:rPr lang="zh-CN" altLang="en-US" dirty="0" smtClean="0"/>
+              <a:t>　ｐ</a:t>
+            </a:r>
+            <a:r>
+              <a:rPr lang="en-US" altLang="zh-CN" dirty="0" err="1" smtClean="0"/>
+              <a:t>ublic</a:t>
+            </a:r>
+            <a:r>
+              <a:rPr lang="en-US" altLang="zh-CN" dirty="0" smtClean="0"/>
+              <a:t> Person(String n) {</a:t>
+            </a:r>
+          </a:p>
+          <a:p>
+            <a:pPr marL="0" indent="0">
+              <a:buNone/>
+            </a:pPr>
+            <a:r>
+              <a:rPr lang="en-US" altLang="zh-CN" dirty="0"/>
+              <a:t> </a:t>
+            </a:r>
+            <a:r>
+              <a:rPr lang="en-US" altLang="zh-CN" dirty="0" smtClean="0"/>
+              <a:t>       </a:t>
+            </a:r>
+            <a:r>
+              <a:rPr lang="en-US" altLang="zh-CN" dirty="0" smtClean="0">
+                <a:solidFill>
+                  <a:srgbClr val="FF0000"/>
+                </a:solidFill>
+              </a:rPr>
+              <a:t>this(n, 20) ;</a:t>
+            </a:r>
+          </a:p>
+          <a:p>
+            <a:pPr marL="0" indent="0">
+              <a:buNone/>
+            </a:pPr>
+            <a:r>
+              <a:rPr lang="en-US" altLang="zh-CN" dirty="0"/>
+              <a:t> </a:t>
+            </a:r>
+            <a:r>
+              <a:rPr lang="en-US" altLang="zh-CN" dirty="0" smtClean="0"/>
+              <a:t>    }</a:t>
+            </a:r>
+          </a:p>
+          <a:p>
+            <a:pPr marL="0" indent="0">
+              <a:buNone/>
+            </a:pPr>
+            <a:r>
+              <a:rPr lang="en-US" altLang="zh-CN" dirty="0"/>
+              <a:t> </a:t>
+            </a:r>
+            <a:r>
+              <a:rPr lang="en-US" altLang="zh-CN" dirty="0" smtClean="0"/>
+              <a:t>    public Person(String n, </a:t>
+            </a:r>
+            <a:r>
+              <a:rPr lang="en-US" altLang="zh-CN" dirty="0" err="1" smtClean="0"/>
+              <a:t>int</a:t>
+            </a:r>
+            <a:r>
+              <a:rPr lang="en-US" altLang="zh-CN" dirty="0" smtClean="0"/>
+              <a:t> age) {</a:t>
+            </a:r>
+          </a:p>
+          <a:p>
+            <a:pPr marL="0" indent="0">
+              <a:buNone/>
+            </a:pPr>
+            <a:r>
+              <a:rPr lang="en-US" altLang="zh-CN" dirty="0"/>
+              <a:t> </a:t>
+            </a:r>
+            <a:r>
+              <a:rPr lang="en-US" altLang="zh-CN" dirty="0" smtClean="0"/>
+              <a:t>        name = n ;</a:t>
+            </a:r>
+          </a:p>
+          <a:p>
+            <a:pPr marL="0" indent="0">
+              <a:buNone/>
+            </a:pPr>
+            <a:r>
+              <a:rPr lang="en-US" altLang="zh-CN" dirty="0"/>
+              <a:t> </a:t>
+            </a:r>
+            <a:r>
+              <a:rPr lang="en-US" altLang="zh-CN" dirty="0" smtClean="0"/>
+              <a:t>        </a:t>
+            </a:r>
+            <a:r>
+              <a:rPr lang="en-US" altLang="zh-CN" dirty="0" err="1" smtClean="0">
+                <a:solidFill>
+                  <a:srgbClr val="FF0000"/>
+                </a:solidFill>
+              </a:rPr>
+              <a:t>this.age</a:t>
+            </a:r>
+            <a:r>
+              <a:rPr lang="en-US" altLang="zh-CN" dirty="0" smtClean="0">
+                <a:solidFill>
+                  <a:srgbClr val="FF0000"/>
+                </a:solidFill>
+              </a:rPr>
+              <a:t> </a:t>
+            </a:r>
+            <a:r>
+              <a:rPr lang="en-US" altLang="zh-CN" dirty="0" smtClean="0"/>
+              <a:t>= age ;</a:t>
+            </a:r>
+            <a:endParaRPr lang="en-US" altLang="zh-CN" dirty="0"/>
+          </a:p>
+          <a:p>
+            <a:pPr marL="0" indent="0">
+              <a:buNone/>
+            </a:pPr>
+            <a:r>
+              <a:rPr lang="en-US" altLang="zh-CN" dirty="0" smtClean="0"/>
+              <a:t>}</a:t>
+            </a:r>
+          </a:p>
+          <a:p>
+            <a:r>
+              <a:rPr lang="en-US" altLang="zh-CN" dirty="0" smtClean="0"/>
+              <a:t>this() – </a:t>
+            </a:r>
+            <a:r>
+              <a:rPr lang="zh-CN" altLang="en-US" dirty="0" smtClean="0"/>
+              <a:t>调用缺省构造函数</a:t>
+            </a:r>
+            <a:endParaRPr lang="en-US" altLang="zh-CN" dirty="0" smtClean="0"/>
+          </a:p>
+          <a:p>
+            <a:r>
+              <a:rPr lang="zh-CN" altLang="en-US" dirty="0" smtClean="0"/>
+              <a:t>如果用</a:t>
+            </a:r>
+            <a:r>
+              <a:rPr lang="en-US" altLang="zh-CN" dirty="0" smtClean="0"/>
+              <a:t>this</a:t>
+            </a:r>
+            <a:r>
+              <a:rPr lang="zh-CN" altLang="en-US" dirty="0" smtClean="0"/>
+              <a:t>调用构造函数，它必须 是第一个语句</a:t>
+            </a:r>
+            <a:endParaRPr lang="en-US" altLang="zh-CN" dirty="0"/>
+          </a:p>
+        </p:txBody>
+      </p:sp>
+    </p:spTree>
+    <p:extLst>
+      <p:ext uri="{BB962C8B-B14F-4D97-AF65-F5344CB8AC3E}">
+        <p14:creationId xmlns:p14="http://schemas.microsoft.com/office/powerpoint/2010/main" val="2873489768"/>
+      </p:ext>
+    </p:extLst>
+  </p:cSld>
+  <p:clrMapOvr>
+    <a:masterClrMapping/>
+  </p:clrMapOvr>
+  <p:timing>
+    <p:tnLst>
+      <p:par>
+        <p:cTn id="1" dur="indefinite" restart="never" nodeType="tmRoot"/>
+      </p:par>
+    </p:tnLst>
+  </p:timing>
+</p:sld>
+</file>
+
+<file path=ppt/slides/slide5.xml><?xml version="1.0" encoding="utf-8"?>
+<p:sld xmlns:a="http://schemas.openxmlformats.org/drawingml/2006/main" xmlns:r="http://schemas.openxmlformats.org/officeDocument/2006/relationships" xmlns:p="http://schemas.openxmlformats.org/presentationml/2006/main">
+  <p:cSld>
+    <p:spTree>
+      <p:nvGrpSpPr>
+        <p:cNvPr id="1" name=""/>
+        <p:cNvGrpSpPr/>
+        <p:nvPr/>
+      </p:nvGrpSpPr>
+      <p:grpSpPr>
+        <a:xfrm>
+          <a:off x="0" y="0"/>
+          <a:ext cx="0" cy="0"/>
+          <a:chOff x="0" y="0"/>
+          <a:chExt cx="0" cy="0"/>
+        </a:xfrm>
+      </p:grpSpPr>
+      <p:sp>
+        <p:nvSpPr>
+          <p:cNvPr id="2" name="标题 1"/>
+          <p:cNvSpPr>
+            <a:spLocks noGrp="1"/>
+          </p:cNvSpPr>
+          <p:nvPr>
+            <p:ph type="title"/>
+          </p:nvPr>
+        </p:nvSpPr>
+        <p:spPr/>
+        <p:txBody>
+          <a:bodyPr>
+            <a:normAutofit fontScale="90000"/>
+          </a:bodyPr>
+          <a:lstStyle/>
+          <a:p>
+            <a:r>
+              <a:rPr lang="zh-CN" altLang="en-US" dirty="0" smtClean="0"/>
+              <a:t>缺省构造函数</a:t>
+            </a:r>
+            <a:endParaRPr lang="zh-CN" altLang="en-US" dirty="0"/>
+          </a:p>
+        </p:txBody>
+      </p:sp>
+      <p:sp>
+        <p:nvSpPr>
+          <p:cNvPr id="3" name="内容占位符 2"/>
+          <p:cNvSpPr>
+            <a:spLocks noGrp="1"/>
+          </p:cNvSpPr>
+          <p:nvPr>
+            <p:ph idx="1"/>
+          </p:nvPr>
+        </p:nvSpPr>
+        <p:spPr/>
+        <p:txBody>
+          <a:bodyPr/>
+          <a:lstStyle/>
+          <a:p>
+            <a:r>
+              <a:rPr lang="zh-CN" altLang="en-US" dirty="0" smtClean="0"/>
+              <a:t>不带参数的构造函数</a:t>
+            </a:r>
+            <a:endParaRPr lang="en-US" altLang="zh-CN" dirty="0" smtClean="0"/>
+          </a:p>
+          <a:p>
+            <a:r>
+              <a:rPr lang="zh-CN" altLang="en-US" dirty="0" smtClean="0"/>
+              <a:t>在类没有定义任何构造函数的情况征，编程器自动生成的构造函数</a:t>
+            </a:r>
+            <a:endParaRPr lang="en-US" altLang="zh-CN" dirty="0" smtClean="0"/>
+          </a:p>
+          <a:p>
+            <a:r>
+              <a:rPr lang="zh-CN" altLang="en-US" dirty="0" smtClean="0"/>
+              <a:t>必须要有缺省构造函数的情况：类库（框架）要自己创建对象实例</a:t>
+            </a:r>
+            <a:endParaRPr lang="en-US" altLang="zh-CN" dirty="0" smtClean="0"/>
+          </a:p>
+          <a:p>
+            <a:pPr lvl="1"/>
+            <a:r>
+              <a:rPr lang="zh-CN" altLang="en-US" dirty="0" smtClean="0"/>
+              <a:t>在对象反序列化</a:t>
+            </a:r>
+            <a:endParaRPr lang="en-US" altLang="zh-CN" dirty="0" smtClean="0"/>
+          </a:p>
+          <a:p>
+            <a:pPr lvl="1"/>
+            <a:r>
+              <a:rPr lang="en-US" altLang="zh-CN" dirty="0" smtClean="0"/>
+              <a:t>OR Mapping</a:t>
+            </a:r>
+          </a:p>
+        </p:txBody>
+      </p:sp>
+    </p:spTree>
+    <p:extLst>
+      <p:ext uri="{BB962C8B-B14F-4D97-AF65-F5344CB8AC3E}">
+        <p14:creationId xmlns:p14="http://schemas.microsoft.com/office/powerpoint/2010/main" val="2459954578"/>
+      </p:ext>
+    </p:extLst>
+  </p:cSld>
+  <p:clrMapOvr>
+    <a:masterClrMapping/>
+  </p:clrMapOvr>
+</p:sld>
+</file>
+
+<file path=ppt/slides/slide6.xml><?xml version="1.0" encoding="utf-8"?>
+<p:sld xmlns:a="http://schemas.openxmlformats.org/drawingml/2006/main" xmlns:r="http://schemas.openxmlformats.org/officeDocument/2006/relationships" xmlns:p="http://schemas.openxmlformats.org/presentationml/2006/main">
+  <p:cSld>
+    <p:spTree>
+      <p:nvGrpSpPr>
+        <p:cNvPr id="1" name=""/>
+        <p:cNvGrpSpPr/>
+        <p:nvPr/>
+      </p:nvGrpSpPr>
+      <p:grpSpPr>
+        <a:xfrm>
+          <a:off x="0" y="0"/>
+          <a:ext cx="0" cy="0"/>
+          <a:chOff x="0" y="0"/>
+          <a:chExt cx="0" cy="0"/>
+        </a:xfrm>
+      </p:grpSpPr>
+      <p:sp>
+        <p:nvSpPr>
+          <p:cNvPr id="2" name="标题 1"/>
+          <p:cNvSpPr>
+            <a:spLocks noGrp="1"/>
+          </p:cNvSpPr>
+          <p:nvPr>
+            <p:ph type="title"/>
+          </p:nvPr>
+        </p:nvSpPr>
+        <p:spPr/>
+        <p:txBody>
+          <a:bodyPr>
+            <a:normAutofit fontScale="90000"/>
+          </a:bodyPr>
+          <a:lstStyle/>
+          <a:p>
+            <a:r>
+              <a:rPr lang="zh-CN" altLang="en-US" dirty="0" smtClean="0"/>
+              <a:t>方法定义</a:t>
+            </a:r>
+            <a:endParaRPr lang="zh-CN" altLang="en-US" dirty="0"/>
+          </a:p>
+        </p:txBody>
+      </p:sp>
+      <p:sp>
+        <p:nvSpPr>
+          <p:cNvPr id="3" name="内容占位符 2"/>
+          <p:cNvSpPr>
+            <a:spLocks noGrp="1"/>
+          </p:cNvSpPr>
+          <p:nvPr>
+            <p:ph idx="1"/>
+          </p:nvPr>
+        </p:nvSpPr>
+        <p:spPr/>
+        <p:txBody>
+          <a:bodyPr>
+            <a:normAutofit fontScale="92500" lnSpcReduction="10000"/>
+          </a:bodyPr>
+          <a:lstStyle/>
+          <a:p>
+            <a:pPr marL="0" indent="0">
+              <a:buNone/>
+            </a:pPr>
+            <a:r>
+              <a:rPr lang="en-US" altLang="zh-CN" dirty="0" smtClean="0"/>
+              <a:t>public class Person {</a:t>
+            </a:r>
+          </a:p>
+          <a:p>
+            <a:pPr marL="0" indent="0">
+              <a:buNone/>
+            </a:pPr>
+            <a:r>
+              <a:rPr lang="en-US" altLang="zh-CN" dirty="0"/>
+              <a:t> </a:t>
+            </a:r>
+            <a:r>
+              <a:rPr lang="en-US" altLang="zh-CN" dirty="0" smtClean="0"/>
+              <a:t>    ……</a:t>
+            </a:r>
+          </a:p>
+          <a:p>
+            <a:pPr marL="0" indent="0">
+              <a:buNone/>
+            </a:pPr>
+            <a:r>
+              <a:rPr lang="en-US" altLang="zh-CN" dirty="0"/>
+              <a:t> </a:t>
+            </a:r>
+            <a:r>
+              <a:rPr lang="en-US" altLang="zh-CN" dirty="0" smtClean="0"/>
+              <a:t>    public void say(String x, </a:t>
+            </a:r>
+            <a:r>
+              <a:rPr lang="en-US" altLang="zh-CN" dirty="0" err="1" smtClean="0"/>
+              <a:t>int</a:t>
+            </a:r>
+            <a:r>
+              <a:rPr lang="en-US" altLang="zh-CN" dirty="0" smtClean="0"/>
+              <a:t> y)  {</a:t>
+            </a:r>
+          </a:p>
+          <a:p>
+            <a:pPr marL="0" indent="0">
+              <a:buNone/>
+            </a:pPr>
+            <a:r>
+              <a:rPr lang="en-US" altLang="zh-CN" dirty="0"/>
+              <a:t> </a:t>
+            </a:r>
+            <a:r>
+              <a:rPr lang="en-US" altLang="zh-CN" dirty="0" smtClean="0"/>
+              <a:t>       …</a:t>
+            </a:r>
+          </a:p>
+          <a:p>
+            <a:pPr marL="0" indent="0">
+              <a:buNone/>
+            </a:pPr>
+            <a:r>
+              <a:rPr lang="en-US" altLang="zh-CN" dirty="0"/>
+              <a:t> </a:t>
+            </a:r>
+            <a:r>
+              <a:rPr lang="en-US" altLang="zh-CN" dirty="0" smtClean="0"/>
+              <a:t>    }</a:t>
+            </a:r>
+          </a:p>
+          <a:p>
+            <a:r>
+              <a:rPr lang="zh-CN" altLang="en-US" dirty="0" smtClean="0"/>
+              <a:t>方法的定义形式与</a:t>
+            </a:r>
+            <a:r>
+              <a:rPr lang="en-US" altLang="zh-CN" dirty="0" smtClean="0"/>
+              <a:t>C++</a:t>
+            </a:r>
+            <a:r>
+              <a:rPr lang="zh-CN" altLang="en-US" dirty="0" smtClean="0"/>
+              <a:t>类似</a:t>
+            </a:r>
+            <a:endParaRPr lang="en-US" altLang="zh-CN" dirty="0" smtClean="0"/>
+          </a:p>
+          <a:p>
+            <a:pPr lvl="1"/>
+            <a:r>
+              <a:rPr lang="zh-CN" altLang="en-US" dirty="0" smtClean="0"/>
+              <a:t>返回类型 函数名（参数列表）</a:t>
+            </a:r>
+            <a:r>
+              <a:rPr lang="en-US" altLang="zh-CN" dirty="0" smtClean="0"/>
+              <a:t>{ … ; return expr ;}</a:t>
+            </a:r>
+          </a:p>
+          <a:p>
+            <a:r>
+              <a:rPr lang="zh-CN" altLang="en-US" dirty="0"/>
+              <a:t>形参长度可变的</a:t>
+            </a:r>
+            <a:r>
+              <a:rPr lang="zh-CN" altLang="en-US" dirty="0" smtClean="0"/>
+              <a:t>方法</a:t>
+            </a:r>
+            <a:endParaRPr lang="en-US" altLang="zh-CN" dirty="0" smtClean="0"/>
+          </a:p>
+          <a:p>
+            <a:pPr marL="0" indent="0">
+              <a:buNone/>
+            </a:pPr>
+            <a:r>
+              <a:rPr lang="en-US" altLang="zh-CN" dirty="0" smtClean="0"/>
+              <a:t>     public void m(String a, Integer…</a:t>
+            </a:r>
+            <a:r>
+              <a:rPr lang="en-US" altLang="zh-CN" dirty="0" err="1" smtClean="0"/>
+              <a:t>args</a:t>
+            </a:r>
+            <a:r>
+              <a:rPr lang="en-US" altLang="zh-CN" dirty="0"/>
+              <a:t>)</a:t>
+            </a:r>
+            <a:endParaRPr lang="zh-CN" altLang="en-US" dirty="0"/>
+          </a:p>
+        </p:txBody>
+      </p:sp>
+    </p:spTree>
+    <p:extLst>
+      <p:ext uri="{BB962C8B-B14F-4D97-AF65-F5344CB8AC3E}">
+        <p14:creationId xmlns:p14="http://schemas.microsoft.com/office/powerpoint/2010/main" val="940323292"/>
+      </p:ext>
+    </p:extLst>
+  </p:cSld>
+  <p:clrMapOvr>
+    <a:masterClrMapping/>
+  </p:clrMapOvr>
+  <p:timing>
+    <p:tnLst>
+      <p:par>
+        <p:cTn id="1" dur="indefinite" restart="never" nodeType="tmRoot"/>
+      </p:par>
+    </p:tnLst>
+  </p:timing>
+</p:sld>
+</file>
+
+<file path=ppt/slides/slide7.xml><?xml version="1.0" encoding="utf-8"?>
+<p:sld xmlns:a="http://schemas.openxmlformats.org/drawingml/2006/main" xmlns:r="http://schemas.openxmlformats.org/officeDocument/2006/relationships" xmlns:p="http://schemas.openxmlformats.org/presentationml/2006/main">
+  <p:cSld>
+    <p:spTree>
+      <p:nvGrpSpPr>
+        <p:cNvPr id="1" name=""/>
+        <p:cNvGrpSpPr/>
+        <p:nvPr/>
+      </p:nvGrpSpPr>
+      <p:grpSpPr>
+        <a:xfrm>
+          <a:off x="0" y="0"/>
+          <a:ext cx="0" cy="0"/>
+          <a:chOff x="0" y="0"/>
+          <a:chExt cx="0" cy="0"/>
+        </a:xfrm>
+      </p:grpSpPr>
+      <p:sp>
+        <p:nvSpPr>
+          <p:cNvPr id="2" name="标题 1"/>
+          <p:cNvSpPr>
+            <a:spLocks noGrp="1"/>
+          </p:cNvSpPr>
+          <p:nvPr>
+            <p:ph type="title"/>
+          </p:nvPr>
+        </p:nvSpPr>
+        <p:spPr/>
+        <p:txBody>
+          <a:bodyPr>
+            <a:normAutofit fontScale="90000"/>
+          </a:bodyPr>
+          <a:lstStyle/>
+          <a:p>
+            <a:r>
+              <a:rPr lang="zh-CN" altLang="en-US" dirty="0"/>
+              <a:t>形参长度可变的</a:t>
+            </a:r>
+            <a:r>
+              <a:rPr lang="zh-CN" altLang="en-US" dirty="0" smtClean="0"/>
+              <a:t>方法</a:t>
+            </a:r>
+            <a:endParaRPr lang="zh-CN" altLang="en-US" dirty="0"/>
+          </a:p>
+        </p:txBody>
+      </p:sp>
+      <p:sp>
+        <p:nvSpPr>
+          <p:cNvPr id="3" name="内容占位符 2"/>
+          <p:cNvSpPr>
+            <a:spLocks noGrp="1"/>
+          </p:cNvSpPr>
+          <p:nvPr>
+            <p:ph idx="1"/>
+          </p:nvPr>
+        </p:nvSpPr>
+        <p:spPr/>
+        <p:txBody>
+          <a:bodyPr>
+            <a:normAutofit fontScale="62500" lnSpcReduction="20000"/>
+          </a:bodyPr>
+          <a:lstStyle/>
+          <a:p>
+            <a:pPr marL="0" indent="0">
+              <a:buNone/>
+            </a:pPr>
+            <a:r>
+              <a:rPr lang="en-US" altLang="zh-CN" dirty="0"/>
+              <a:t>public void  </a:t>
+            </a:r>
+            <a:r>
+              <a:rPr lang="en-US" altLang="zh-CN" dirty="0" err="1"/>
+              <a:t>ourClassiofor</a:t>
+            </a:r>
+            <a:r>
+              <a:rPr lang="en-US" altLang="zh-CN" dirty="0"/>
+              <a:t>(String </a:t>
+            </a:r>
+            <a:r>
+              <a:rPr lang="en-US" altLang="zh-CN" dirty="0" err="1"/>
+              <a:t>classname</a:t>
+            </a:r>
+            <a:r>
+              <a:rPr lang="en-US" altLang="zh-CN" dirty="0"/>
+              <a:t>, </a:t>
+            </a:r>
+            <a:r>
+              <a:rPr lang="en-US" altLang="zh-CN" dirty="0">
+                <a:solidFill>
+                  <a:srgbClr val="FF0000"/>
+                </a:solidFill>
+              </a:rPr>
+              <a:t>String...</a:t>
+            </a:r>
+            <a:r>
+              <a:rPr lang="en-US" altLang="zh-CN" dirty="0" err="1">
+                <a:solidFill>
+                  <a:srgbClr val="FF0000"/>
+                </a:solidFill>
+              </a:rPr>
+              <a:t>studentname</a:t>
+            </a:r>
+            <a:r>
+              <a:rPr lang="en-US" altLang="zh-CN" dirty="0"/>
+              <a:t>){        </a:t>
+            </a:r>
+          </a:p>
+          <a:p>
+            <a:pPr marL="0" indent="0">
+              <a:buNone/>
+            </a:pPr>
+            <a:r>
+              <a:rPr lang="en-US" altLang="zh-CN" dirty="0"/>
+              <a:t>     </a:t>
+            </a:r>
+            <a:r>
+              <a:rPr lang="en-US" altLang="zh-CN" dirty="0" err="1"/>
+              <a:t>System.out.println</a:t>
+            </a:r>
+            <a:r>
+              <a:rPr lang="en-US" altLang="zh-CN" dirty="0"/>
+              <a:t>("</a:t>
+            </a:r>
+            <a:r>
+              <a:rPr lang="zh-CN" altLang="en-US" dirty="0"/>
+              <a:t>班级名称</a:t>
+            </a:r>
+            <a:r>
+              <a:rPr lang="en-US" altLang="zh-CN" dirty="0"/>
+              <a:t>:"+</a:t>
+            </a:r>
+            <a:r>
+              <a:rPr lang="en-US" altLang="zh-CN" dirty="0" err="1"/>
+              <a:t>classname</a:t>
+            </a:r>
+            <a:r>
+              <a:rPr lang="en-US" altLang="zh-CN" dirty="0"/>
+              <a:t>);      </a:t>
+            </a:r>
+          </a:p>
+          <a:p>
+            <a:pPr marL="0" indent="0">
+              <a:buNone/>
+            </a:pPr>
+            <a:r>
+              <a:rPr lang="en-US" altLang="zh-CN" dirty="0"/>
+              <a:t>         </a:t>
+            </a:r>
+          </a:p>
+          <a:p>
+            <a:pPr marL="0" indent="0">
+              <a:buNone/>
+            </a:pPr>
+            <a:r>
+              <a:rPr lang="en-US" altLang="zh-CN" dirty="0"/>
+              <a:t>     </a:t>
+            </a:r>
+            <a:r>
+              <a:rPr lang="en-US" altLang="zh-CN" dirty="0" err="1"/>
+              <a:t>System.out.println</a:t>
+            </a:r>
+            <a:r>
+              <a:rPr lang="en-US" altLang="zh-CN" dirty="0"/>
+              <a:t>("</a:t>
+            </a:r>
+            <a:r>
+              <a:rPr lang="zh-CN" altLang="en-US" dirty="0"/>
+              <a:t>班级成员名单</a:t>
+            </a:r>
+            <a:r>
+              <a:rPr lang="en-US" altLang="zh-CN" dirty="0"/>
+              <a:t>:");       </a:t>
+            </a:r>
+          </a:p>
+          <a:p>
+            <a:pPr marL="0" indent="0">
+              <a:buNone/>
+            </a:pPr>
+            <a:r>
+              <a:rPr lang="en-US" altLang="zh-CN" dirty="0"/>
+              <a:t>                    </a:t>
+            </a:r>
+          </a:p>
+          <a:p>
+            <a:pPr marL="0" indent="0">
+              <a:buNone/>
+            </a:pPr>
+            <a:r>
+              <a:rPr lang="en-US" altLang="zh-CN" dirty="0">
+                <a:solidFill>
+                  <a:srgbClr val="FF0000"/>
+                </a:solidFill>
+              </a:rPr>
+              <a:t>   for (String </a:t>
+            </a:r>
+            <a:r>
+              <a:rPr lang="en-US" altLang="zh-CN" dirty="0" err="1">
+                <a:solidFill>
+                  <a:srgbClr val="FF0000"/>
+                </a:solidFill>
+              </a:rPr>
+              <a:t>student:studentname</a:t>
+            </a:r>
+            <a:r>
+              <a:rPr lang="en-US" altLang="zh-CN" dirty="0">
+                <a:solidFill>
+                  <a:srgbClr val="FF0000"/>
+                </a:solidFill>
+              </a:rPr>
+              <a:t>){          </a:t>
+            </a:r>
+          </a:p>
+          <a:p>
+            <a:pPr marL="0" indent="0">
+              <a:buNone/>
+            </a:pPr>
+            <a:r>
+              <a:rPr lang="en-US" altLang="zh-CN" dirty="0"/>
+              <a:t>         </a:t>
+            </a:r>
+            <a:r>
+              <a:rPr lang="en-US" altLang="zh-CN" dirty="0" err="1"/>
+              <a:t>System.out.println</a:t>
+            </a:r>
+            <a:r>
+              <a:rPr lang="en-US" altLang="zh-CN" dirty="0"/>
+              <a:t>(student);        </a:t>
+            </a:r>
+          </a:p>
+          <a:p>
+            <a:pPr marL="0" indent="0">
+              <a:buNone/>
+            </a:pPr>
+            <a:r>
+              <a:rPr lang="en-US" altLang="zh-CN" dirty="0"/>
+              <a:t>       }        </a:t>
+            </a:r>
+          </a:p>
+          <a:p>
+            <a:pPr marL="0" indent="0">
+              <a:buNone/>
+            </a:pPr>
+            <a:r>
+              <a:rPr lang="en-US" altLang="zh-CN" dirty="0"/>
+              <a:t>   } </a:t>
+            </a:r>
+            <a:endParaRPr lang="en-US" altLang="zh-CN" dirty="0" smtClean="0"/>
+          </a:p>
+          <a:p>
+            <a:pPr marL="0" indent="0">
+              <a:buNone/>
+            </a:pPr>
+            <a:r>
+              <a:rPr lang="zh-CN" altLang="en-US" dirty="0"/>
+              <a:t>形参个数可变的参数其实就是一个数组</a:t>
+            </a:r>
+            <a:r>
+              <a:rPr lang="zh-CN" altLang="en-US" dirty="0" smtClean="0"/>
+              <a:t>参数：</a:t>
+            </a:r>
+            <a:endParaRPr lang="en-US" altLang="zh-CN" dirty="0" smtClean="0"/>
+          </a:p>
+          <a:p>
+            <a:pPr marL="0" indent="0">
+              <a:buNone/>
+            </a:pPr>
+            <a:r>
+              <a:rPr lang="en-US" altLang="zh-CN" dirty="0"/>
+              <a:t> </a:t>
+            </a:r>
+            <a:r>
+              <a:rPr lang="en-US" altLang="zh-CN" dirty="0" smtClean="0"/>
+              <a:t>           </a:t>
+            </a:r>
+            <a:r>
+              <a:rPr lang="zh-CN" altLang="en-US" dirty="0" smtClean="0"/>
+              <a:t> </a:t>
+            </a:r>
+            <a:r>
+              <a:rPr lang="en-US" altLang="zh-CN" dirty="0" smtClean="0"/>
+              <a:t>String</a:t>
+            </a:r>
+            <a:r>
+              <a:rPr lang="en-US" altLang="zh-CN" dirty="0"/>
+              <a:t>[] </a:t>
+            </a:r>
+            <a:r>
+              <a:rPr lang="en-US" altLang="zh-CN" dirty="0" err="1" smtClean="0"/>
+              <a:t>studentname</a:t>
+            </a:r>
+            <a:endParaRPr lang="en-US" altLang="zh-CN" dirty="0" smtClean="0"/>
+          </a:p>
+          <a:p>
+            <a:pPr marL="0" indent="0">
+              <a:buNone/>
+            </a:pPr>
+            <a:r>
+              <a:rPr lang="zh-CN" altLang="en-US" dirty="0" smtClean="0"/>
+              <a:t>调用：</a:t>
+            </a:r>
+            <a:endParaRPr lang="en-US" altLang="zh-CN" dirty="0" smtClean="0"/>
+          </a:p>
+          <a:p>
+            <a:pPr marL="0" indent="0">
+              <a:buNone/>
+            </a:pPr>
+            <a:r>
+              <a:rPr lang="en-US" altLang="zh-CN" dirty="0" smtClean="0"/>
+              <a:t>   </a:t>
+            </a:r>
+            <a:r>
+              <a:rPr lang="en-US" altLang="zh-CN" dirty="0" err="1" smtClean="0"/>
+              <a:t>p.ourClassiofor</a:t>
+            </a:r>
+            <a:r>
+              <a:rPr lang="en-US" altLang="zh-CN" dirty="0" smtClean="0"/>
+              <a:t>(“</a:t>
+            </a:r>
+            <a:r>
+              <a:rPr lang="zh-CN" altLang="en-US" dirty="0" smtClean="0"/>
+              <a:t>一年级一班</a:t>
+            </a:r>
+            <a:r>
+              <a:rPr lang="en-US" altLang="zh-CN" dirty="0" smtClean="0"/>
+              <a:t>",, “</a:t>
+            </a:r>
+            <a:r>
+              <a:rPr lang="en-US" altLang="zh-CN" dirty="0" err="1" smtClean="0"/>
+              <a:t>fgajfak</a:t>
+            </a:r>
+            <a:r>
+              <a:rPr lang="en-US" altLang="zh-CN" dirty="0" smtClean="0"/>
+              <a:t>", "</a:t>
+            </a:r>
+            <a:r>
+              <a:rPr lang="en-US" altLang="zh-CN" dirty="0" err="1"/>
+              <a:t>hfkl</a:t>
+            </a:r>
+            <a:r>
+              <a:rPr lang="en-US" altLang="zh-CN" dirty="0" smtClean="0"/>
+              <a:t>", "</a:t>
+            </a:r>
+            <a:r>
+              <a:rPr lang="en-US" altLang="zh-CN" dirty="0" err="1"/>
+              <a:t>ghfsajk</a:t>
+            </a:r>
+            <a:r>
+              <a:rPr lang="en-US" altLang="zh-CN" dirty="0" smtClean="0"/>
+              <a:t>", "</a:t>
+            </a:r>
+            <a:r>
+              <a:rPr lang="en-US" altLang="zh-CN" dirty="0" err="1"/>
+              <a:t>fgkfak</a:t>
+            </a:r>
+            <a:r>
+              <a:rPr lang="en-US" altLang="zh-CN" dirty="0"/>
+              <a:t>"); </a:t>
+            </a:r>
+            <a:endParaRPr lang="en-US" altLang="zh-CN" dirty="0" smtClean="0"/>
+          </a:p>
+          <a:p>
+            <a:pPr marL="0" indent="0">
+              <a:buNone/>
+            </a:pPr>
+            <a:endParaRPr lang="en-US" altLang="zh-CN" dirty="0" smtClean="0"/>
+          </a:p>
+          <a:p>
+            <a:endParaRPr lang="zh-CN" altLang="en-US" dirty="0"/>
+          </a:p>
+        </p:txBody>
+      </p:sp>
+    </p:spTree>
+    <p:extLst>
+      <p:ext uri="{BB962C8B-B14F-4D97-AF65-F5344CB8AC3E}">
+        <p14:creationId xmlns:p14="http://schemas.microsoft.com/office/powerpoint/2010/main" val="33041412"/>
+      </p:ext>
+    </p:extLst>
+  </p:cSld>
+  <p:clrMapOvr>
+    <a:masterClrMapping/>
+  </p:clrMapOvr>
+</p:sld>
+</file>
+
+<file path=ppt/slides/slide8.xml><?xml version="1.0" encoding="utf-8"?>
+<p:sld xmlns:a="http://schemas.openxmlformats.org/drawingml/2006/main" xmlns:r="http://schemas.openxmlformats.org/officeDocument/2006/relationships" xmlns:p="http://schemas.openxmlformats.org/presentationml/2006/main">
+  <p:cSld>
+    <p:spTree>
+      <p:nvGrpSpPr>
+        <p:cNvPr id="1" name=""/>
+        <p:cNvGrpSpPr/>
+        <p:nvPr/>
+      </p:nvGrpSpPr>
+      <p:grpSpPr>
+        <a:xfrm>
+          <a:off x="0" y="0"/>
+          <a:ext cx="0" cy="0"/>
+          <a:chOff x="0" y="0"/>
+          <a:chExt cx="0" cy="0"/>
+        </a:xfrm>
+      </p:grpSpPr>
+      <p:sp>
+        <p:nvSpPr>
+          <p:cNvPr id="2" name="标题 1"/>
+          <p:cNvSpPr>
+            <a:spLocks noGrp="1"/>
+          </p:cNvSpPr>
+          <p:nvPr>
+            <p:ph type="title"/>
+          </p:nvPr>
+        </p:nvSpPr>
+        <p:spPr/>
+        <p:txBody>
+          <a:bodyPr>
+            <a:normAutofit fontScale="90000"/>
+          </a:bodyPr>
+          <a:lstStyle/>
+          <a:p>
+            <a:r>
+              <a:rPr lang="zh-CN" altLang="en-US" dirty="0" smtClean="0"/>
+              <a:t>类的实例化 </a:t>
+            </a:r>
+            <a:r>
+              <a:rPr lang="en-US" altLang="zh-CN" dirty="0" smtClean="0"/>
+              <a:t>– </a:t>
+            </a:r>
+            <a:r>
+              <a:rPr lang="zh-CN" altLang="en-US" dirty="0" smtClean="0"/>
+              <a:t>创建对象</a:t>
+            </a:r>
+            <a:endParaRPr lang="zh-CN" altLang="en-US" dirty="0"/>
+          </a:p>
+        </p:txBody>
+      </p:sp>
+      <p:sp>
+        <p:nvSpPr>
+          <p:cNvPr id="3" name="内容占位符 2"/>
+          <p:cNvSpPr>
+            <a:spLocks noGrp="1"/>
+          </p:cNvSpPr>
+          <p:nvPr>
+            <p:ph idx="1"/>
+          </p:nvPr>
+        </p:nvSpPr>
+        <p:spPr/>
+        <p:txBody>
+          <a:bodyPr>
+            <a:normAutofit fontScale="92500" lnSpcReduction="20000"/>
+          </a:bodyPr>
+          <a:lstStyle/>
+          <a:p>
+            <a:r>
+              <a:rPr lang="en-US" altLang="zh-CN" dirty="0" smtClean="0"/>
+              <a:t>new</a:t>
+            </a:r>
+            <a:r>
+              <a:rPr lang="zh-CN" altLang="en-US" dirty="0" smtClean="0"/>
+              <a:t>操作符</a:t>
+            </a:r>
+            <a:endParaRPr lang="en-US" altLang="zh-CN" dirty="0" smtClean="0"/>
+          </a:p>
+          <a:p>
+            <a:pPr marL="0" indent="0">
+              <a:buNone/>
+            </a:pPr>
+            <a:r>
+              <a:rPr lang="en-US" altLang="zh-CN" sz="2800" dirty="0" smtClean="0"/>
+              <a:t>       Person p1 = new Person() ;</a:t>
+            </a:r>
+          </a:p>
+          <a:p>
+            <a:pPr marL="0" indent="0">
+              <a:buNone/>
+            </a:pPr>
+            <a:r>
+              <a:rPr lang="en-US" altLang="zh-CN" sz="2800" dirty="0"/>
+              <a:t> </a:t>
+            </a:r>
+            <a:r>
+              <a:rPr lang="en-US" altLang="zh-CN" sz="2800" dirty="0" smtClean="0"/>
+              <a:t>      Person p2 = new Person(“John”, 20)</a:t>
+            </a:r>
+          </a:p>
+          <a:p>
+            <a:r>
+              <a:rPr lang="en-US" altLang="zh-CN" dirty="0" smtClean="0"/>
+              <a:t>p1</a:t>
+            </a:r>
+            <a:r>
+              <a:rPr lang="zh-CN" altLang="en-US" dirty="0" smtClean="0"/>
+              <a:t>和</a:t>
+            </a:r>
+            <a:r>
+              <a:rPr lang="en-US" altLang="zh-CN" dirty="0" smtClean="0"/>
+              <a:t>p2</a:t>
+            </a:r>
+            <a:r>
+              <a:rPr lang="zh-CN" altLang="en-US" dirty="0" smtClean="0"/>
+              <a:t>的</a:t>
+            </a:r>
+            <a:r>
+              <a:rPr lang="zh-CN" altLang="en-US" dirty="0" smtClean="0">
+                <a:solidFill>
+                  <a:srgbClr val="FF0000"/>
+                </a:solidFill>
+              </a:rPr>
+              <a:t>值</a:t>
+            </a:r>
+            <a:r>
+              <a:rPr lang="zh-CN" altLang="en-US" dirty="0" smtClean="0"/>
+              <a:t>是地址</a:t>
+            </a:r>
+            <a:r>
+              <a:rPr lang="en-US" altLang="zh-CN" dirty="0" smtClean="0"/>
+              <a:t>(</a:t>
+            </a:r>
+            <a:r>
+              <a:rPr lang="zh-CN" altLang="en-US" dirty="0" smtClean="0"/>
+              <a:t>类似</a:t>
+            </a:r>
+            <a:r>
+              <a:rPr lang="en-US" altLang="zh-CN" dirty="0" smtClean="0"/>
+              <a:t>C++</a:t>
+            </a:r>
+            <a:r>
+              <a:rPr lang="zh-CN" altLang="en-US" dirty="0" smtClean="0"/>
+              <a:t>中的指针值），叫（对象的）引用。</a:t>
+            </a:r>
+            <a:endParaRPr lang="en-US" altLang="zh-CN" dirty="0" smtClean="0"/>
+          </a:p>
+          <a:p>
+            <a:r>
+              <a:rPr lang="zh-CN" altLang="en-US" dirty="0" smtClean="0"/>
+              <a:t>访问对象的成员： </a:t>
+            </a:r>
+            <a:r>
+              <a:rPr lang="en-US" altLang="zh-CN" dirty="0" smtClean="0">
+                <a:solidFill>
+                  <a:srgbClr val="FF0000"/>
+                </a:solidFill>
+              </a:rPr>
+              <a:t>“.”</a:t>
+            </a:r>
+            <a:r>
+              <a:rPr lang="zh-CN" altLang="en-US" dirty="0" smtClean="0">
+                <a:solidFill>
+                  <a:srgbClr val="FF0000"/>
+                </a:solidFill>
+              </a:rPr>
+              <a:t>操作符</a:t>
+            </a:r>
+            <a:endParaRPr lang="en-US" altLang="zh-CN" dirty="0" smtClean="0">
+              <a:solidFill>
+                <a:srgbClr val="FF0000"/>
+              </a:solidFill>
+            </a:endParaRPr>
+          </a:p>
+          <a:p>
+            <a:pPr lvl="1"/>
+            <a:r>
+              <a:rPr lang="en-US" altLang="zh-CN" dirty="0" smtClean="0"/>
+              <a:t>p1.age     // </a:t>
+            </a:r>
+            <a:r>
+              <a:rPr lang="zh-CN" altLang="en-US" dirty="0" smtClean="0"/>
+              <a:t>错误</a:t>
+            </a:r>
+            <a:endParaRPr lang="en-US" altLang="zh-CN" dirty="0" smtClean="0"/>
+          </a:p>
+          <a:p>
+            <a:pPr lvl="1"/>
+            <a:r>
+              <a:rPr lang="en-US" altLang="zh-CN" dirty="0" smtClean="0"/>
+              <a:t>p2.say(“who are you”, 50) ;</a:t>
+            </a:r>
+          </a:p>
+          <a:p>
+            <a:r>
+              <a:rPr lang="zh-CN" altLang="en-US" dirty="0" smtClean="0"/>
+              <a:t>方法调用参数传递：</a:t>
+            </a:r>
+            <a:r>
+              <a:rPr lang="zh-CN" altLang="en-US" dirty="0"/>
+              <a:t>值</a:t>
+            </a:r>
+            <a:r>
+              <a:rPr lang="zh-CN" altLang="en-US" dirty="0" smtClean="0"/>
+              <a:t>传递</a:t>
+            </a:r>
+            <a:endParaRPr lang="en-US" altLang="zh-CN" dirty="0" smtClean="0"/>
+          </a:p>
+          <a:p>
+            <a:pPr lvl="1"/>
+            <a:r>
+              <a:rPr lang="zh-CN" altLang="en-US" dirty="0" smtClean="0"/>
+              <a:t>没有</a:t>
+            </a:r>
+            <a:r>
+              <a:rPr lang="en-US" altLang="zh-CN" dirty="0" smtClean="0"/>
+              <a:t>C++</a:t>
+            </a:r>
+            <a:r>
+              <a:rPr lang="zh-CN" altLang="en-US" dirty="0" smtClean="0"/>
+              <a:t>的引用类型：</a:t>
+            </a:r>
+            <a:r>
+              <a:rPr lang="en-US" altLang="zh-CN" dirty="0"/>
+              <a:t> </a:t>
+            </a:r>
+            <a:r>
+              <a:rPr lang="en-US" altLang="zh-CN" dirty="0" err="1" smtClean="0"/>
+              <a:t>int</a:t>
+            </a:r>
+            <a:r>
+              <a:rPr lang="en-US" altLang="zh-CN" dirty="0" smtClean="0"/>
+              <a:t>&amp; </a:t>
+            </a:r>
+            <a:r>
+              <a:rPr lang="en-US" altLang="zh-CN" dirty="0" err="1" smtClean="0"/>
+              <a:t>i</a:t>
+            </a:r>
+            <a:endParaRPr lang="zh-CN" altLang="en-US" dirty="0"/>
+          </a:p>
+        </p:txBody>
+      </p:sp>
+    </p:spTree>
+    <p:extLst>
+      <p:ext uri="{BB962C8B-B14F-4D97-AF65-F5344CB8AC3E}">
+        <p14:creationId xmlns:p14="http://schemas.microsoft.com/office/powerpoint/2010/main" val="2276732762"/>
+      </p:ext>
+    </p:extLst>
+  </p:cSld>
+  <p:clrMapOvr>
+    <a:masterClrMapping/>
+  </p:clrMapOvr>
+  <p:timing>
+    <p:tnLst>
+      <p:par>
+        <p:cTn id="1" dur="indefinite" restart="never" nodeType="tmRoot"/>
+      </p:par>
+    </p:tnLst>
+  </p:timing>
+</p:sld>
+</file>
+
+<file path=ppt/slides/slide9.xml><?xml version="1.0" encoding="utf-8"?>
+<p:sld xmlns:a="http://schemas.openxmlformats.org/drawingml/2006/main" xmlns:r="http://schemas.openxmlformats.org/officeDocument/2006/relationships" xmlns:p="http://schemas.openxmlformats.org/presentationml/2006/main">
+  <p:cSld>
+    <p:spTree>
+      <p:nvGrpSpPr>
+        <p:cNvPr id="1" name=""/>
+        <p:cNvGrpSpPr/>
+        <p:nvPr/>
+      </p:nvGrpSpPr>
+      <p:grpSpPr>
+        <a:xfrm>
+          <a:off x="0" y="0"/>
+          <a:ext cx="0" cy="0"/>
+          <a:chOff x="0" y="0"/>
+          <a:chExt cx="0" cy="0"/>
+        </a:xfrm>
+      </p:grpSpPr>
+      <p:sp>
+        <p:nvSpPr>
+          <p:cNvPr id="2" name="标题 1"/>
+          <p:cNvSpPr>
+            <a:spLocks noGrp="1"/>
+          </p:cNvSpPr>
+          <p:nvPr>
+            <p:ph type="title"/>
+          </p:nvPr>
+        </p:nvSpPr>
+        <p:spPr/>
+        <p:txBody>
+          <a:bodyPr>
+            <a:normAutofit fontScale="90000"/>
+          </a:bodyPr>
+          <a:lstStyle/>
+          <a:p>
+            <a:r>
+              <a:rPr lang="zh-CN" altLang="en-US" dirty="0"/>
+              <a:t>类的实例化 </a:t>
+            </a:r>
+            <a:r>
+              <a:rPr lang="en-US" altLang="zh-CN" dirty="0"/>
+              <a:t>– </a:t>
+            </a:r>
+            <a:r>
+              <a:rPr lang="zh-CN" altLang="en-US" dirty="0"/>
+              <a:t>创建对象</a:t>
+            </a:r>
+          </a:p>
+        </p:txBody>
+      </p:sp>
+      <p:sp>
+        <p:nvSpPr>
+          <p:cNvPr id="3" name="内容占位符 2"/>
+          <p:cNvSpPr>
+            <a:spLocks noGrp="1"/>
+          </p:cNvSpPr>
+          <p:nvPr>
+            <p:ph idx="1"/>
+          </p:nvPr>
+        </p:nvSpPr>
+        <p:spPr/>
+        <p:txBody>
+          <a:bodyPr/>
+          <a:lstStyle/>
+          <a:p>
+            <a:r>
+              <a:rPr lang="en-US" altLang="zh-CN" dirty="0" smtClean="0"/>
+              <a:t>P</a:t>
+            </a:r>
+            <a:r>
+              <a:rPr lang="zh-CN" altLang="en-US" dirty="0" smtClean="0"/>
+              <a:t>在方法中声明，所以，分配在栈中</a:t>
+            </a:r>
+            <a:endParaRPr lang="en-US" altLang="zh-CN" dirty="0" smtClean="0"/>
+          </a:p>
+          <a:p>
+            <a:r>
+              <a:rPr lang="en-US" altLang="zh-CN" dirty="0" smtClean="0"/>
+              <a:t>name</a:t>
+            </a:r>
+            <a:r>
+              <a:rPr lang="zh-CN" altLang="en-US" dirty="0" smtClean="0"/>
+              <a:t>引用堆中的另一个值</a:t>
+            </a:r>
+            <a:endParaRPr lang="zh-CN" altLang="en-US" dirty="0"/>
+          </a:p>
+        </p:txBody>
+      </p:sp>
+      <p:pic>
+        <p:nvPicPr>
+          <p:cNvPr id="1026" name="Picture 2"/>
+          <p:cNvPicPr>
+            <a:picLocks noChangeAspect="1" noChangeArrowheads="1"/>
+          </p:cNvPicPr>
+          <p:nvPr/>
+        </p:nvPicPr>
+        <p:blipFill>
+          <a:blip r:embed="rId2">
+            <a:extLst>
+              <a:ext uri="{28A0092B-C50C-407E-A947-70E740481C1C}">
+                <a14:useLocalDpi xmlns:a14="http://schemas.microsoft.com/office/drawing/2010/main" val="0"/>
+              </a:ext>
+            </a:extLst>
+          </a:blip>
+          <a:srcRect/>
+          <a:stretch>
+            <a:fillRect/>
+          </a:stretch>
+        </p:blipFill>
+        <p:spPr bwMode="auto">
+          <a:xfrm>
+            <a:off x="4283968" y="2852936"/>
+            <a:ext cx="4152900" cy="3302893"/>
+          </a:xfrm>
+          <a:prstGeom prst="rect">
+            <a:avLst/>
+          </a:prstGeom>
+          <a:noFill/>
+          <a:ln>
+            <a:noFill/>
+          </a:ln>
+          <a:extLst>
+            <a:ext uri="{909E8E84-426E-40DD-AFC4-6F175D3DCCD1}">
+              <a14:hiddenFill xmlns:a14="http://schemas.microsoft.com/office/drawing/2010/main">
+                <a:solidFill>
+                  <a:schemeClr val="accent1"/>
+                </a:solidFill>
+              </a14:hiddenFill>
+            </a:ext>
+            <a:ext uri="{91240B29-F687-4F45-9708-019B960494DF}">
+              <a14:hiddenLine xmlns:a14="http://schemas.microsoft.com/office/drawing/2010/main" w="9525">
+                <a:solidFill>
+                  <a:schemeClr val="tx1"/>
+                </a:solidFill>
+                <a:miter lim="800000"/>
+                <a:headEnd/>
+                <a:tailEnd/>
+              </a14:hiddenLine>
+            </a:ext>
+          </a:extLst>
+        </p:spPr>
+      </p:pic>
+    </p:spTree>
+    <p:extLst>
+      <p:ext uri="{BB962C8B-B14F-4D97-AF65-F5344CB8AC3E}">
+        <p14:creationId xmlns:p14="http://schemas.microsoft.com/office/powerpoint/2010/main" val="550072179"/>
+      </p:ext>
+    </p:extLst>
+  </p:cSld>
+  <p:clrMapOvr>
+    <a:masterClrMapping/>
+  </p:clrMapOvr>
 </p:sld>
 </file>
 

--- a/java/docs/02-java-类.pptx
+++ b/java/docs/02-java-类.pptx
@@ -39961,7 +39961,7 @@
         <p:spPr/>
         <p:txBody>
           <a:bodyPr>
-            <a:normAutofit fontScale="85000" lnSpcReduction="20000"/>
+            <a:normAutofit fontScale="85000" lnSpcReduction="10000"/>
           </a:bodyPr>
           <a:lstStyle/>
           <a:p>
@@ -40001,7 +40001,7 @@
                   <a:srgbClr val="FF0000"/>
                 </a:solidFill>
               </a:rPr>
-              <a:t>StackOverflowException</a:t>
+              <a:t>StackOverflowError</a:t>
             </a:r>
             <a:endParaRPr lang="en-US" altLang="zh-CN" dirty="0" smtClean="0">
               <a:solidFill>
@@ -40036,7 +40036,7 @@
                   <a:srgbClr val="FF0000"/>
                 </a:solidFill>
               </a:rPr>
-              <a:t>OutOfMemoryException</a:t>
+              <a:t>OutOfMemoryError</a:t>
             </a:r>
             <a:endParaRPr lang="en-US" altLang="zh-CN" dirty="0" smtClean="0">
               <a:solidFill>
@@ -40084,16 +40084,9 @@
           </a:p>
           <a:p>
             <a:r>
-              <a:rPr lang="en-US" altLang="zh-CN" dirty="0" smtClean="0"/>
-              <a:t>https</a:t>
+              <a:rPr lang="en-US" altLang="zh-CN" dirty="0"/>
+              <a:t>https://docs.oracle.com/javase/8/docs/api/</a:t>
             </a:r>
-            <a:r>
-              <a:rPr lang="en-US" altLang="zh-CN" dirty="0"/>
-              <a:t>://docs.oracle.com/javase/8/docs/technotes/tools/windows/java.html</a:t>
-            </a:r>
-            <a:endParaRPr lang="en-US" altLang="zh-CN" dirty="0" smtClean="0"/>
-          </a:p>
-          <a:p>
             <a:endParaRPr lang="zh-CN" altLang="en-US" dirty="0"/>
           </a:p>
         </p:txBody>
